--- a/presentation.pptx
+++ b/presentation.pptx
@@ -107,6 +107,11 @@
       </a:defRPr>
     </a:lvl9pPr>
   </p:defaultTextStyle>
+  <p:extLst>
+    <p:ext uri="{EFAFB233-063F-42B5-8137-9DF3F51BA10A}">
+      <p15:sldGuideLst xmlns:p15="http://schemas.microsoft.com/office/powerpoint/2012/main"/>
+    </p:ext>
+  </p:extLst>
 </p:presentation>
 </file>
 
@@ -152,7 +157,7 @@
           </a:lstStyle>
           <a:p>
             <a:r>
-              <a:rPr lang="en-US" smtClean="0"/>
+              <a:rPr lang="en-US"/>
               <a:t>Click to edit Master title style</a:t>
             </a:r>
             <a:endParaRPr lang="en-GB"/>
@@ -217,7 +222,7 @@
           </a:lstStyle>
           <a:p>
             <a:r>
-              <a:rPr lang="en-US" smtClean="0"/>
+              <a:rPr lang="en-US"/>
               <a:t>Click to edit Master subtitle style</a:t>
             </a:r>
             <a:endParaRPr lang="en-GB"/>
@@ -241,7 +246,7 @@
           <a:p>
             <a:fld id="{A1E9B794-CBB8-4675-89EF-64900E035843}" type="datetimeFigureOut">
               <a:rPr lang="en-GB" smtClean="0"/>
-              <a:t>25/10/2016</a:t>
+              <a:t>26/10/2016</a:t>
             </a:fld>
             <a:endParaRPr lang="en-GB"/>
           </a:p>
@@ -335,7 +340,7 @@
           <a:lstStyle/>
           <a:p>
             <a:r>
-              <a:rPr lang="en-US" smtClean="0"/>
+              <a:rPr lang="en-US"/>
               <a:t>Click to edit Master title style</a:t>
             </a:r>
             <a:endParaRPr lang="en-GB"/>
@@ -359,35 +364,35 @@
           <a:p>
             <a:pPr lvl="0"/>
             <a:r>
-              <a:rPr lang="en-US" smtClean="0"/>
+              <a:rPr lang="en-US"/>
               <a:t>Edit Master text styles</a:t>
             </a:r>
           </a:p>
           <a:p>
             <a:pPr lvl="1"/>
             <a:r>
-              <a:rPr lang="en-US" smtClean="0"/>
+              <a:rPr lang="en-US"/>
               <a:t>Second level</a:t>
             </a:r>
           </a:p>
           <a:p>
             <a:pPr lvl="2"/>
             <a:r>
-              <a:rPr lang="en-US" smtClean="0"/>
+              <a:rPr lang="en-US"/>
               <a:t>Third level</a:t>
             </a:r>
           </a:p>
           <a:p>
             <a:pPr lvl="3"/>
             <a:r>
-              <a:rPr lang="en-US" smtClean="0"/>
+              <a:rPr lang="en-US"/>
               <a:t>Fourth level</a:t>
             </a:r>
           </a:p>
           <a:p>
             <a:pPr lvl="4"/>
             <a:r>
-              <a:rPr lang="en-US" smtClean="0"/>
+              <a:rPr lang="en-US"/>
               <a:t>Fifth level</a:t>
             </a:r>
             <a:endParaRPr lang="en-GB"/>
@@ -411,7 +416,7 @@
           <a:p>
             <a:fld id="{A1E9B794-CBB8-4675-89EF-64900E035843}" type="datetimeFigureOut">
               <a:rPr lang="en-GB" smtClean="0"/>
-              <a:t>25/10/2016</a:t>
+              <a:t>26/10/2016</a:t>
             </a:fld>
             <a:endParaRPr lang="en-GB"/>
           </a:p>
@@ -510,7 +515,7 @@
           <a:lstStyle/>
           <a:p>
             <a:r>
-              <a:rPr lang="en-US" smtClean="0"/>
+              <a:rPr lang="en-US"/>
               <a:t>Click to edit Master title style</a:t>
             </a:r>
             <a:endParaRPr lang="en-GB"/>
@@ -539,35 +544,35 @@
           <a:p>
             <a:pPr lvl="0"/>
             <a:r>
-              <a:rPr lang="en-US" smtClean="0"/>
+              <a:rPr lang="en-US"/>
               <a:t>Edit Master text styles</a:t>
             </a:r>
           </a:p>
           <a:p>
             <a:pPr lvl="1"/>
             <a:r>
-              <a:rPr lang="en-US" smtClean="0"/>
+              <a:rPr lang="en-US"/>
               <a:t>Second level</a:t>
             </a:r>
           </a:p>
           <a:p>
             <a:pPr lvl="2"/>
             <a:r>
-              <a:rPr lang="en-US" smtClean="0"/>
+              <a:rPr lang="en-US"/>
               <a:t>Third level</a:t>
             </a:r>
           </a:p>
           <a:p>
             <a:pPr lvl="3"/>
             <a:r>
-              <a:rPr lang="en-US" smtClean="0"/>
+              <a:rPr lang="en-US"/>
               <a:t>Fourth level</a:t>
             </a:r>
           </a:p>
           <a:p>
             <a:pPr lvl="4"/>
             <a:r>
-              <a:rPr lang="en-US" smtClean="0"/>
+              <a:rPr lang="en-US"/>
               <a:t>Fifth level</a:t>
             </a:r>
             <a:endParaRPr lang="en-GB"/>
@@ -591,7 +596,7 @@
           <a:p>
             <a:fld id="{A1E9B794-CBB8-4675-89EF-64900E035843}" type="datetimeFigureOut">
               <a:rPr lang="en-GB" smtClean="0"/>
-              <a:t>25/10/2016</a:t>
+              <a:t>26/10/2016</a:t>
             </a:fld>
             <a:endParaRPr lang="en-GB"/>
           </a:p>
@@ -685,7 +690,7 @@
           <a:lstStyle/>
           <a:p>
             <a:r>
-              <a:rPr lang="en-US" smtClean="0"/>
+              <a:rPr lang="en-US"/>
               <a:t>Click to edit Master title style</a:t>
             </a:r>
             <a:endParaRPr lang="en-GB"/>
@@ -709,35 +714,35 @@
           <a:p>
             <a:pPr lvl="0"/>
             <a:r>
-              <a:rPr lang="en-US" smtClean="0"/>
+              <a:rPr lang="en-US"/>
               <a:t>Edit Master text styles</a:t>
             </a:r>
           </a:p>
           <a:p>
             <a:pPr lvl="1"/>
             <a:r>
-              <a:rPr lang="en-US" smtClean="0"/>
+              <a:rPr lang="en-US"/>
               <a:t>Second level</a:t>
             </a:r>
           </a:p>
           <a:p>
             <a:pPr lvl="2"/>
             <a:r>
-              <a:rPr lang="en-US" smtClean="0"/>
+              <a:rPr lang="en-US"/>
               <a:t>Third level</a:t>
             </a:r>
           </a:p>
           <a:p>
             <a:pPr lvl="3"/>
             <a:r>
-              <a:rPr lang="en-US" smtClean="0"/>
+              <a:rPr lang="en-US"/>
               <a:t>Fourth level</a:t>
             </a:r>
           </a:p>
           <a:p>
             <a:pPr lvl="4"/>
             <a:r>
-              <a:rPr lang="en-US" smtClean="0"/>
+              <a:rPr lang="en-US"/>
               <a:t>Fifth level</a:t>
             </a:r>
             <a:endParaRPr lang="en-GB"/>
@@ -761,7 +766,7 @@
           <a:p>
             <a:fld id="{A1E9B794-CBB8-4675-89EF-64900E035843}" type="datetimeFigureOut">
               <a:rPr lang="en-GB" smtClean="0"/>
-              <a:t>25/10/2016</a:t>
+              <a:t>26/10/2016</a:t>
             </a:fld>
             <a:endParaRPr lang="en-GB"/>
           </a:p>
@@ -864,7 +869,7 @@
           </a:lstStyle>
           <a:p>
             <a:r>
-              <a:rPr lang="en-US" smtClean="0"/>
+              <a:rPr lang="en-US"/>
               <a:t>Click to edit Master title style</a:t>
             </a:r>
             <a:endParaRPr lang="en-GB"/>
@@ -984,7 +989,7 @@
           <a:p>
             <a:pPr lvl="0"/>
             <a:r>
-              <a:rPr lang="en-US" smtClean="0"/>
+              <a:rPr lang="en-US"/>
               <a:t>Edit Master text styles</a:t>
             </a:r>
           </a:p>
@@ -1007,7 +1012,7 @@
           <a:p>
             <a:fld id="{A1E9B794-CBB8-4675-89EF-64900E035843}" type="datetimeFigureOut">
               <a:rPr lang="en-GB" smtClean="0"/>
-              <a:t>25/10/2016</a:t>
+              <a:t>26/10/2016</a:t>
             </a:fld>
             <a:endParaRPr lang="en-GB"/>
           </a:p>
@@ -1101,7 +1106,7 @@
           <a:lstStyle/>
           <a:p>
             <a:r>
-              <a:rPr lang="en-US" smtClean="0"/>
+              <a:rPr lang="en-US"/>
               <a:t>Click to edit Master title style</a:t>
             </a:r>
             <a:endParaRPr lang="en-GB"/>
@@ -1130,35 +1135,35 @@
           <a:p>
             <a:pPr lvl="0"/>
             <a:r>
-              <a:rPr lang="en-US" smtClean="0"/>
+              <a:rPr lang="en-US"/>
               <a:t>Edit Master text styles</a:t>
             </a:r>
           </a:p>
           <a:p>
             <a:pPr lvl="1"/>
             <a:r>
-              <a:rPr lang="en-US" smtClean="0"/>
+              <a:rPr lang="en-US"/>
               <a:t>Second level</a:t>
             </a:r>
           </a:p>
           <a:p>
             <a:pPr lvl="2"/>
             <a:r>
-              <a:rPr lang="en-US" smtClean="0"/>
+              <a:rPr lang="en-US"/>
               <a:t>Third level</a:t>
             </a:r>
           </a:p>
           <a:p>
             <a:pPr lvl="3"/>
             <a:r>
-              <a:rPr lang="en-US" smtClean="0"/>
+              <a:rPr lang="en-US"/>
               <a:t>Fourth level</a:t>
             </a:r>
           </a:p>
           <a:p>
             <a:pPr lvl="4"/>
             <a:r>
-              <a:rPr lang="en-US" smtClean="0"/>
+              <a:rPr lang="en-US"/>
               <a:t>Fifth level</a:t>
             </a:r>
             <a:endParaRPr lang="en-GB"/>
@@ -1187,35 +1192,35 @@
           <a:p>
             <a:pPr lvl="0"/>
             <a:r>
-              <a:rPr lang="en-US" smtClean="0"/>
+              <a:rPr lang="en-US"/>
               <a:t>Edit Master text styles</a:t>
             </a:r>
           </a:p>
           <a:p>
             <a:pPr lvl="1"/>
             <a:r>
-              <a:rPr lang="en-US" smtClean="0"/>
+              <a:rPr lang="en-US"/>
               <a:t>Second level</a:t>
             </a:r>
           </a:p>
           <a:p>
             <a:pPr lvl="2"/>
             <a:r>
-              <a:rPr lang="en-US" smtClean="0"/>
+              <a:rPr lang="en-US"/>
               <a:t>Third level</a:t>
             </a:r>
           </a:p>
           <a:p>
             <a:pPr lvl="3"/>
             <a:r>
-              <a:rPr lang="en-US" smtClean="0"/>
+              <a:rPr lang="en-US"/>
               <a:t>Fourth level</a:t>
             </a:r>
           </a:p>
           <a:p>
             <a:pPr lvl="4"/>
             <a:r>
-              <a:rPr lang="en-US" smtClean="0"/>
+              <a:rPr lang="en-US"/>
               <a:t>Fifth level</a:t>
             </a:r>
             <a:endParaRPr lang="en-GB"/>
@@ -1239,7 +1244,7 @@
           <a:p>
             <a:fld id="{A1E9B794-CBB8-4675-89EF-64900E035843}" type="datetimeFigureOut">
               <a:rPr lang="en-GB" smtClean="0"/>
-              <a:t>25/10/2016</a:t>
+              <a:t>26/10/2016</a:t>
             </a:fld>
             <a:endParaRPr lang="en-GB"/>
           </a:p>
@@ -1338,7 +1343,7 @@
           <a:lstStyle/>
           <a:p>
             <a:r>
-              <a:rPr lang="en-US" smtClean="0"/>
+              <a:rPr lang="en-US"/>
               <a:t>Click to edit Master title style</a:t>
             </a:r>
             <a:endParaRPr lang="en-GB"/>
@@ -1404,7 +1409,7 @@
           <a:p>
             <a:pPr lvl="0"/>
             <a:r>
-              <a:rPr lang="en-US" smtClean="0"/>
+              <a:rPr lang="en-US"/>
               <a:t>Edit Master text styles</a:t>
             </a:r>
           </a:p>
@@ -1432,35 +1437,35 @@
           <a:p>
             <a:pPr lvl="0"/>
             <a:r>
-              <a:rPr lang="en-US" smtClean="0"/>
+              <a:rPr lang="en-US"/>
               <a:t>Edit Master text styles</a:t>
             </a:r>
           </a:p>
           <a:p>
             <a:pPr lvl="1"/>
             <a:r>
-              <a:rPr lang="en-US" smtClean="0"/>
+              <a:rPr lang="en-US"/>
               <a:t>Second level</a:t>
             </a:r>
           </a:p>
           <a:p>
             <a:pPr lvl="2"/>
             <a:r>
-              <a:rPr lang="en-US" smtClean="0"/>
+              <a:rPr lang="en-US"/>
               <a:t>Third level</a:t>
             </a:r>
           </a:p>
           <a:p>
             <a:pPr lvl="3"/>
             <a:r>
-              <a:rPr lang="en-US" smtClean="0"/>
+              <a:rPr lang="en-US"/>
               <a:t>Fourth level</a:t>
             </a:r>
           </a:p>
           <a:p>
             <a:pPr lvl="4"/>
             <a:r>
-              <a:rPr lang="en-US" smtClean="0"/>
+              <a:rPr lang="en-US"/>
               <a:t>Fifth level</a:t>
             </a:r>
             <a:endParaRPr lang="en-GB"/>
@@ -1526,7 +1531,7 @@
           <a:p>
             <a:pPr lvl="0"/>
             <a:r>
-              <a:rPr lang="en-US" smtClean="0"/>
+              <a:rPr lang="en-US"/>
               <a:t>Edit Master text styles</a:t>
             </a:r>
           </a:p>
@@ -1554,35 +1559,35 @@
           <a:p>
             <a:pPr lvl="0"/>
             <a:r>
-              <a:rPr lang="en-US" smtClean="0"/>
+              <a:rPr lang="en-US"/>
               <a:t>Edit Master text styles</a:t>
             </a:r>
           </a:p>
           <a:p>
             <a:pPr lvl="1"/>
             <a:r>
-              <a:rPr lang="en-US" smtClean="0"/>
+              <a:rPr lang="en-US"/>
               <a:t>Second level</a:t>
             </a:r>
           </a:p>
           <a:p>
             <a:pPr lvl="2"/>
             <a:r>
-              <a:rPr lang="en-US" smtClean="0"/>
+              <a:rPr lang="en-US"/>
               <a:t>Third level</a:t>
             </a:r>
           </a:p>
           <a:p>
             <a:pPr lvl="3"/>
             <a:r>
-              <a:rPr lang="en-US" smtClean="0"/>
+              <a:rPr lang="en-US"/>
               <a:t>Fourth level</a:t>
             </a:r>
           </a:p>
           <a:p>
             <a:pPr lvl="4"/>
             <a:r>
-              <a:rPr lang="en-US" smtClean="0"/>
+              <a:rPr lang="en-US"/>
               <a:t>Fifth level</a:t>
             </a:r>
             <a:endParaRPr lang="en-GB"/>
@@ -1606,7 +1611,7 @@
           <a:p>
             <a:fld id="{A1E9B794-CBB8-4675-89EF-64900E035843}" type="datetimeFigureOut">
               <a:rPr lang="en-GB" smtClean="0"/>
-              <a:t>25/10/2016</a:t>
+              <a:t>26/10/2016</a:t>
             </a:fld>
             <a:endParaRPr lang="en-GB"/>
           </a:p>
@@ -1700,7 +1705,7 @@
           <a:lstStyle/>
           <a:p>
             <a:r>
-              <a:rPr lang="en-US" smtClean="0"/>
+              <a:rPr lang="en-US"/>
               <a:t>Click to edit Master title style</a:t>
             </a:r>
             <a:endParaRPr lang="en-GB"/>
@@ -1724,7 +1729,7 @@
           <a:p>
             <a:fld id="{A1E9B794-CBB8-4675-89EF-64900E035843}" type="datetimeFigureOut">
               <a:rPr lang="en-GB" smtClean="0"/>
-              <a:t>25/10/2016</a:t>
+              <a:t>26/10/2016</a:t>
             </a:fld>
             <a:endParaRPr lang="en-GB"/>
           </a:p>
@@ -1819,7 +1824,7 @@
           <a:p>
             <a:fld id="{A1E9B794-CBB8-4675-89EF-64900E035843}" type="datetimeFigureOut">
               <a:rPr lang="en-GB" smtClean="0"/>
-              <a:t>25/10/2016</a:t>
+              <a:t>26/10/2016</a:t>
             </a:fld>
             <a:endParaRPr lang="en-GB"/>
           </a:p>
@@ -1922,7 +1927,7 @@
           </a:lstStyle>
           <a:p>
             <a:r>
-              <a:rPr lang="en-US" smtClean="0"/>
+              <a:rPr lang="en-US"/>
               <a:t>Click to edit Master title style</a:t>
             </a:r>
             <a:endParaRPr lang="en-GB"/>
@@ -1979,35 +1984,35 @@
           <a:p>
             <a:pPr lvl="0"/>
             <a:r>
-              <a:rPr lang="en-US" smtClean="0"/>
+              <a:rPr lang="en-US"/>
               <a:t>Edit Master text styles</a:t>
             </a:r>
           </a:p>
           <a:p>
             <a:pPr lvl="1"/>
             <a:r>
-              <a:rPr lang="en-US" smtClean="0"/>
+              <a:rPr lang="en-US"/>
               <a:t>Second level</a:t>
             </a:r>
           </a:p>
           <a:p>
             <a:pPr lvl="2"/>
             <a:r>
-              <a:rPr lang="en-US" smtClean="0"/>
+              <a:rPr lang="en-US"/>
               <a:t>Third level</a:t>
             </a:r>
           </a:p>
           <a:p>
             <a:pPr lvl="3"/>
             <a:r>
-              <a:rPr lang="en-US" smtClean="0"/>
+              <a:rPr lang="en-US"/>
               <a:t>Fourth level</a:t>
             </a:r>
           </a:p>
           <a:p>
             <a:pPr lvl="4"/>
             <a:r>
-              <a:rPr lang="en-US" smtClean="0"/>
+              <a:rPr lang="en-US"/>
               <a:t>Fifth level</a:t>
             </a:r>
             <a:endParaRPr lang="en-GB"/>
@@ -2073,7 +2078,7 @@
           <a:p>
             <a:pPr lvl="0"/>
             <a:r>
-              <a:rPr lang="en-US" smtClean="0"/>
+              <a:rPr lang="en-US"/>
               <a:t>Edit Master text styles</a:t>
             </a:r>
           </a:p>
@@ -2096,7 +2101,7 @@
           <a:p>
             <a:fld id="{A1E9B794-CBB8-4675-89EF-64900E035843}" type="datetimeFigureOut">
               <a:rPr lang="en-GB" smtClean="0"/>
-              <a:t>25/10/2016</a:t>
+              <a:t>26/10/2016</a:t>
             </a:fld>
             <a:endParaRPr lang="en-GB"/>
           </a:p>
@@ -2199,7 +2204,7 @@
           </a:lstStyle>
           <a:p>
             <a:r>
-              <a:rPr lang="en-US" smtClean="0"/>
+              <a:rPr lang="en-US"/>
               <a:t>Click to edit Master title style</a:t>
             </a:r>
             <a:endParaRPr lang="en-GB"/>
@@ -2326,7 +2331,7 @@
           <a:p>
             <a:pPr lvl="0"/>
             <a:r>
-              <a:rPr lang="en-US" smtClean="0"/>
+              <a:rPr lang="en-US"/>
               <a:t>Edit Master text styles</a:t>
             </a:r>
           </a:p>
@@ -2349,7 +2354,7 @@
           <a:p>
             <a:fld id="{A1E9B794-CBB8-4675-89EF-64900E035843}" type="datetimeFigureOut">
               <a:rPr lang="en-GB" smtClean="0"/>
-              <a:t>25/10/2016</a:t>
+              <a:t>26/10/2016</a:t>
             </a:fld>
             <a:endParaRPr lang="en-GB"/>
           </a:p>
@@ -2458,7 +2463,7 @@
           <a:lstStyle/>
           <a:p>
             <a:r>
-              <a:rPr lang="en-US" smtClean="0"/>
+              <a:rPr lang="en-US"/>
               <a:t>Click to edit Master title style</a:t>
             </a:r>
             <a:endParaRPr lang="en-GB"/>
@@ -2492,35 +2497,35 @@
           <a:p>
             <a:pPr lvl="0"/>
             <a:r>
-              <a:rPr lang="en-US" smtClean="0"/>
+              <a:rPr lang="en-US"/>
               <a:t>Edit Master text styles</a:t>
             </a:r>
           </a:p>
           <a:p>
             <a:pPr lvl="1"/>
             <a:r>
-              <a:rPr lang="en-US" smtClean="0"/>
+              <a:rPr lang="en-US"/>
               <a:t>Second level</a:t>
             </a:r>
           </a:p>
           <a:p>
             <a:pPr lvl="2"/>
             <a:r>
-              <a:rPr lang="en-US" smtClean="0"/>
+              <a:rPr lang="en-US"/>
               <a:t>Third level</a:t>
             </a:r>
           </a:p>
           <a:p>
             <a:pPr lvl="3"/>
             <a:r>
-              <a:rPr lang="en-US" smtClean="0"/>
+              <a:rPr lang="en-US"/>
               <a:t>Fourth level</a:t>
             </a:r>
           </a:p>
           <a:p>
             <a:pPr lvl="4"/>
             <a:r>
-              <a:rPr lang="en-US" smtClean="0"/>
+              <a:rPr lang="en-US"/>
               <a:t>Fifth level</a:t>
             </a:r>
             <a:endParaRPr lang="en-GB"/>
@@ -2562,7 +2567,7 @@
           <a:p>
             <a:fld id="{A1E9B794-CBB8-4675-89EF-64900E035843}" type="datetimeFigureOut">
               <a:rPr lang="en-GB" smtClean="0"/>
-              <a:t>25/10/2016</a:t>
+              <a:t>26/10/2016</a:t>
             </a:fld>
             <a:endParaRPr lang="en-GB"/>
           </a:p>
@@ -2986,10 +2991,9 @@
           <a:p>
             <a:pPr algn="l"/>
             <a:r>
-              <a:rPr lang="en-GB" dirty="0" smtClean="0"/>
+              <a:rPr lang="en-GB" dirty="0"/>
               <a:t>Web Platform for Digital Deployment of Virtual Servers</a:t>
             </a:r>
-            <a:endParaRPr lang="en-GB" dirty="0"/>
           </a:p>
         </p:txBody>
       </p:sp>
@@ -3010,10 +3014,9 @@
           <a:p>
             <a:pPr algn="l"/>
             <a:r>
-              <a:rPr lang="en-GB" dirty="0" smtClean="0"/>
+              <a:rPr lang="en-GB" dirty="0"/>
               <a:t>Plamen Kolev</a:t>
             </a:r>
-            <a:endParaRPr lang="en-GB" dirty="0"/>
           </a:p>
         </p:txBody>
       </p:sp>
@@ -3027,13 +3030,6 @@
   <p:clrMapOvr>
     <a:masterClrMapping/>
   </p:clrMapOvr>
-  <p:timing>
-    <p:tnLst>
-      <p:par>
-        <p:cTn id="1" dur="indefinite" restart="never" nodeType="tmRoot"/>
-      </p:par>
-    </p:tnLst>
-  </p:timing>
 </p:sld>
 </file>
 
@@ -3070,10 +3066,9 @@
           <a:lstStyle/>
           <a:p>
             <a:r>
-              <a:rPr lang="en-GB" dirty="0" smtClean="0"/>
+              <a:rPr lang="en-GB" dirty="0"/>
               <a:t>Why and How</a:t>
             </a:r>
-            <a:endParaRPr lang="en-GB" dirty="0"/>
           </a:p>
         </p:txBody>
       </p:sp>
@@ -3098,7 +3093,7 @@
               <a:buNone/>
             </a:pPr>
             <a:r>
-              <a:rPr lang="en-GB" dirty="0" smtClean="0"/>
+              <a:rPr lang="en-GB" dirty="0"/>
               <a:t>Aim</a:t>
             </a:r>
           </a:p>
@@ -3107,7 +3102,7 @@
               <a:buNone/>
             </a:pPr>
             <a:r>
-              <a:rPr lang="en-GB" sz="2200" dirty="0" smtClean="0"/>
+              <a:rPr lang="en-GB" sz="2200" dirty="0"/>
               <a:t> Give developers a platform for easy deployment, management and monitoring of virtual servers</a:t>
             </a:r>
           </a:p>
@@ -3115,14 +3110,14 @@
             <a:pPr marL="0" indent="0">
               <a:buNone/>
             </a:pPr>
-            <a:endParaRPr lang="en-GB" dirty="0" smtClean="0"/>
+            <a:endParaRPr lang="en-GB" dirty="0"/>
           </a:p>
           <a:p>
             <a:pPr marL="0" indent="0">
               <a:buNone/>
             </a:pPr>
             <a:r>
-              <a:rPr lang="en-GB" dirty="0" smtClean="0"/>
+              <a:rPr lang="en-GB" dirty="0"/>
               <a:t>Objectives</a:t>
             </a:r>
           </a:p>
@@ -3131,34 +3126,33 @@
               <a:buNone/>
             </a:pPr>
             <a:r>
-              <a:rPr lang="en-GB" sz="2100" dirty="0" smtClean="0"/>
+              <a:rPr lang="en-GB" sz="2100" dirty="0"/>
               <a:t>Provide a platform that makes it more convenient to manage the following from a web interface</a:t>
             </a:r>
           </a:p>
           <a:p>
             <a:r>
-              <a:rPr lang="en-GB" sz="1900" dirty="0" smtClean="0"/>
+              <a:rPr lang="en-GB" sz="1900" dirty="0"/>
               <a:t>Deploy a virtual machine of the user's choice quickly by filling minimal amount of details</a:t>
             </a:r>
           </a:p>
           <a:p>
             <a:r>
-              <a:rPr lang="en-GB" sz="1900" dirty="0" smtClean="0"/>
+              <a:rPr lang="en-GB" sz="1900" dirty="0"/>
               <a:t>Configure firewall settings</a:t>
             </a:r>
           </a:p>
           <a:p>
             <a:r>
-              <a:rPr lang="en-GB" sz="1900" dirty="0" smtClean="0"/>
+              <a:rPr lang="en-GB" sz="1900" dirty="0"/>
               <a:t>Allow console access ( Set up authentication credentials (SSH keys) for your instances )</a:t>
             </a:r>
           </a:p>
           <a:p>
             <a:r>
-              <a:rPr lang="en-GB" sz="1900" dirty="0" smtClean="0"/>
+              <a:rPr lang="en-GB" sz="1900" dirty="0"/>
               <a:t>Monitor disk/CPU usage of your virtual instances</a:t>
             </a:r>
-            <a:endParaRPr lang="en-GB" sz="1900" dirty="0"/>
           </a:p>
         </p:txBody>
       </p:sp>
@@ -3172,13 +3166,6 @@
   <p:clrMapOvr>
     <a:masterClrMapping/>
   </p:clrMapOvr>
-  <p:timing>
-    <p:tnLst>
-      <p:par>
-        <p:cTn id="1" dur="indefinite" restart="never" nodeType="tmRoot"/>
-      </p:par>
-    </p:tnLst>
-  </p:timing>
 </p:sld>
 </file>
 
@@ -3593,10 +3580,9 @@
           <a:lstStyle/>
           <a:p>
             <a:r>
-              <a:rPr lang="en-GB" dirty="0" smtClean="0"/>
+              <a:rPr lang="en-GB" dirty="0"/>
               <a:t>Setting up a server in 30 easy steps</a:t>
             </a:r>
-            <a:endParaRPr lang="en-GB" dirty="0"/>
           </a:p>
         </p:txBody>
       </p:sp>
@@ -3610,13 +3596,6 @@
   <p:clrMapOvr>
     <a:masterClrMapping/>
   </p:clrMapOvr>
-  <p:timing>
-    <p:tnLst>
-      <p:par>
-        <p:cTn id="1" dur="indefinite" restart="never" nodeType="tmRoot"/>
-      </p:par>
-    </p:tnLst>
-  </p:timing>
 </p:sld>
 </file>
 
@@ -3652,6 +3631,10 @@
           <a:bodyPr/>
           <a:lstStyle/>
           <a:p>
+            <a:r>
+              <a:rPr lang="en-GB"/>
+              <a:t>The benefits</a:t>
+            </a:r>
             <a:endParaRPr lang="en-GB" dirty="0"/>
           </a:p>
         </p:txBody>
@@ -3695,13 +3678,6 @@
   <p:clrMapOvr>
     <a:masterClrMapping/>
   </p:clrMapOvr>
-  <p:timing>
-    <p:tnLst>
-      <p:par>
-        <p:cTn id="1" dur="indefinite" restart="never" nodeType="tmRoot"/>
-      </p:par>
-    </p:tnLst>
-  </p:timing>
 </p:sld>
 </file>
 

--- a/presentation.pptx
+++ b/presentation.pptx
@@ -246,7 +246,7 @@
           <a:p>
             <a:fld id="{A1E9B794-CBB8-4675-89EF-64900E035843}" type="datetimeFigureOut">
               <a:rPr lang="en-GB" smtClean="0"/>
-              <a:t>26/10/2016</a:t>
+              <a:t>30/10/2016</a:t>
             </a:fld>
             <a:endParaRPr lang="en-GB"/>
           </a:p>
@@ -416,7 +416,7 @@
           <a:p>
             <a:fld id="{A1E9B794-CBB8-4675-89EF-64900E035843}" type="datetimeFigureOut">
               <a:rPr lang="en-GB" smtClean="0"/>
-              <a:t>26/10/2016</a:t>
+              <a:t>30/10/2016</a:t>
             </a:fld>
             <a:endParaRPr lang="en-GB"/>
           </a:p>
@@ -596,7 +596,7 @@
           <a:p>
             <a:fld id="{A1E9B794-CBB8-4675-89EF-64900E035843}" type="datetimeFigureOut">
               <a:rPr lang="en-GB" smtClean="0"/>
-              <a:t>26/10/2016</a:t>
+              <a:t>30/10/2016</a:t>
             </a:fld>
             <a:endParaRPr lang="en-GB"/>
           </a:p>
@@ -766,7 +766,7 @@
           <a:p>
             <a:fld id="{A1E9B794-CBB8-4675-89EF-64900E035843}" type="datetimeFigureOut">
               <a:rPr lang="en-GB" smtClean="0"/>
-              <a:t>26/10/2016</a:t>
+              <a:t>30/10/2016</a:t>
             </a:fld>
             <a:endParaRPr lang="en-GB"/>
           </a:p>
@@ -1012,7 +1012,7 @@
           <a:p>
             <a:fld id="{A1E9B794-CBB8-4675-89EF-64900E035843}" type="datetimeFigureOut">
               <a:rPr lang="en-GB" smtClean="0"/>
-              <a:t>26/10/2016</a:t>
+              <a:t>30/10/2016</a:t>
             </a:fld>
             <a:endParaRPr lang="en-GB"/>
           </a:p>
@@ -1244,7 +1244,7 @@
           <a:p>
             <a:fld id="{A1E9B794-CBB8-4675-89EF-64900E035843}" type="datetimeFigureOut">
               <a:rPr lang="en-GB" smtClean="0"/>
-              <a:t>26/10/2016</a:t>
+              <a:t>30/10/2016</a:t>
             </a:fld>
             <a:endParaRPr lang="en-GB"/>
           </a:p>
@@ -1611,7 +1611,7 @@
           <a:p>
             <a:fld id="{A1E9B794-CBB8-4675-89EF-64900E035843}" type="datetimeFigureOut">
               <a:rPr lang="en-GB" smtClean="0"/>
-              <a:t>26/10/2016</a:t>
+              <a:t>30/10/2016</a:t>
             </a:fld>
             <a:endParaRPr lang="en-GB"/>
           </a:p>
@@ -1729,7 +1729,7 @@
           <a:p>
             <a:fld id="{A1E9B794-CBB8-4675-89EF-64900E035843}" type="datetimeFigureOut">
               <a:rPr lang="en-GB" smtClean="0"/>
-              <a:t>26/10/2016</a:t>
+              <a:t>30/10/2016</a:t>
             </a:fld>
             <a:endParaRPr lang="en-GB"/>
           </a:p>
@@ -1824,7 +1824,7 @@
           <a:p>
             <a:fld id="{A1E9B794-CBB8-4675-89EF-64900E035843}" type="datetimeFigureOut">
               <a:rPr lang="en-GB" smtClean="0"/>
-              <a:t>26/10/2016</a:t>
+              <a:t>30/10/2016</a:t>
             </a:fld>
             <a:endParaRPr lang="en-GB"/>
           </a:p>
@@ -2101,7 +2101,7 @@
           <a:p>
             <a:fld id="{A1E9B794-CBB8-4675-89EF-64900E035843}" type="datetimeFigureOut">
               <a:rPr lang="en-GB" smtClean="0"/>
-              <a:t>26/10/2016</a:t>
+              <a:t>30/10/2016</a:t>
             </a:fld>
             <a:endParaRPr lang="en-GB"/>
           </a:p>
@@ -2354,7 +2354,7 @@
           <a:p>
             <a:fld id="{A1E9B794-CBB8-4675-89EF-64900E035843}" type="datetimeFigureOut">
               <a:rPr lang="en-GB" smtClean="0"/>
-              <a:t>26/10/2016</a:t>
+              <a:t>30/10/2016</a:t>
             </a:fld>
             <a:endParaRPr lang="en-GB"/>
           </a:p>
@@ -2567,7 +2567,7 @@
           <a:p>
             <a:fld id="{A1E9B794-CBB8-4675-89EF-64900E035843}" type="datetimeFigureOut">
               <a:rPr lang="en-GB" smtClean="0"/>
-              <a:t>26/10/2016</a:t>
+              <a:t>30/10/2016</a:t>
             </a:fld>
             <a:endParaRPr lang="en-GB"/>
           </a:p>
@@ -3050,6 +3050,79 @@
           <a:chExt cx="0" cy="0"/>
         </a:xfrm>
       </p:grpSpPr>
+      <p:pic>
+        <p:nvPicPr>
+          <p:cNvPr id="4" name="Picture 3"/>
+          <p:cNvPicPr>
+            <a:picLocks noChangeAspect="1"/>
+          </p:cNvPicPr>
+          <p:nvPr/>
+        </p:nvPicPr>
+        <p:blipFill rotWithShape="1">
+          <a:blip r:embed="rId2">
+            <a:extLst>
+              <a:ext uri="{28A0092B-C50C-407E-A947-70E740481C1C}">
+                <a14:useLocalDpi xmlns:a14="http://schemas.microsoft.com/office/drawing/2010/main" val="0"/>
+              </a:ext>
+            </a:extLst>
+          </a:blip>
+          <a:srcRect l="15959" r="16447"/>
+          <a:stretch/>
+        </p:blipFill>
+        <p:spPr>
+          <a:xfrm>
+            <a:off x="20" y="10"/>
+            <a:ext cx="4635571" cy="6857990"/>
+          </a:xfrm>
+          <a:prstGeom prst="rect">
+            <a:avLst/>
+          </a:prstGeom>
+          <a:effectLst/>
+        </p:spPr>
+      </p:pic>
+      <p:cxnSp>
+        <p:nvCxnSpPr>
+          <p:cNvPr id="7" name="Straight Connector 5"/>
+          <p:cNvCxnSpPr>
+            <a:cxnSpLocks noGrp="1" noRot="1" noChangeAspect="1" noMove="1" noResize="1" noEditPoints="1" noAdjustHandles="1" noChangeArrowheads="1" noChangeShapeType="1"/>
+          </p:cNvCxnSpPr>
+          <p:nvPr>
+            <p:extLst>
+              <p:ext uri="{386F3935-93C4-4BCD-93E2-E3B085C9AB24}">
+                <p16:designElem xmlns:p16="http://schemas.microsoft.com/office/powerpoint/2015/main" val="1"/>
+              </p:ext>
+            </p:extLst>
+          </p:nvPr>
+        </p:nvCxnSpPr>
+        <p:spPr>
+          <a:xfrm>
+            <a:off x="5080934" y="2115117"/>
+            <a:ext cx="6309360" cy="0"/>
+          </a:xfrm>
+          <a:prstGeom prst="line">
+            <a:avLst/>
+          </a:prstGeom>
+          <a:ln>
+            <a:solidFill>
+              <a:srgbClr val="485B71"/>
+            </a:solidFill>
+          </a:ln>
+        </p:spPr>
+        <p:style>
+          <a:lnRef idx="1">
+            <a:schemeClr val="accent1"/>
+          </a:lnRef>
+          <a:fillRef idx="0">
+            <a:schemeClr val="accent1"/>
+          </a:fillRef>
+          <a:effectRef idx="0">
+            <a:schemeClr val="accent1"/>
+          </a:effectRef>
+          <a:fontRef idx="minor">
+            <a:schemeClr val="tx1"/>
+          </a:fontRef>
+        </p:style>
+      </p:cxnSp>
       <p:sp>
         <p:nvSpPr>
           <p:cNvPr id="2" name="Title 1"/>
@@ -3060,15 +3133,23 @@
             <p:ph type="title"/>
           </p:nvPr>
         </p:nvSpPr>
-        <p:spPr/>
-        <p:txBody>
-          <a:bodyPr/>
-          <a:lstStyle/>
-          <a:p>
-            <a:r>
-              <a:rPr lang="en-GB" dirty="0"/>
-              <a:t>Why and How</a:t>
-            </a:r>
+        <p:spPr>
+          <a:xfrm>
+            <a:off x="4965430" y="629268"/>
+            <a:ext cx="6586491" cy="1286160"/>
+          </a:xfrm>
+        </p:spPr>
+        <p:txBody>
+          <a:bodyPr anchor="b">
+            <a:normAutofit/>
+          </a:bodyPr>
+          <a:lstStyle/>
+          <a:p>
+            <a:r>
+              <a:rPr lang="en-GB"/>
+              <a:t>Goals</a:t>
+            </a:r>
+            <a:endParaRPr lang="en-GB" dirty="0"/>
           </a:p>
         </p:txBody>
       </p:sp>
@@ -3082,77 +3163,121 @@
             <p:ph idx="1"/>
           </p:nvPr>
         </p:nvSpPr>
-        <p:spPr/>
+        <p:spPr>
+          <a:xfrm>
+            <a:off x="4965431" y="2438400"/>
+            <a:ext cx="6586489" cy="3785419"/>
+          </a:xfrm>
+        </p:spPr>
         <p:txBody>
           <a:bodyPr>
-            <a:normAutofit lnSpcReduction="10000"/>
+            <a:normAutofit/>
           </a:bodyPr>
           <a:lstStyle/>
           <a:p>
             <a:pPr marL="0" indent="0">
+              <a:lnSpc>
+                <a:spcPct val="70000"/>
+              </a:lnSpc>
               <a:buNone/>
             </a:pPr>
             <a:r>
-              <a:rPr lang="en-GB" dirty="0"/>
+              <a:rPr lang="en-GB" sz="1900"/>
               <a:t>Aim</a:t>
             </a:r>
           </a:p>
           <a:p>
             <a:pPr marL="0" indent="0">
+              <a:lnSpc>
+                <a:spcPct val="70000"/>
+              </a:lnSpc>
               <a:buNone/>
             </a:pPr>
             <a:r>
-              <a:rPr lang="en-GB" sz="2200" dirty="0"/>
+              <a:rPr lang="en-GB" sz="1900"/>
               <a:t> Give developers a platform for easy deployment, management and monitoring of virtual servers</a:t>
             </a:r>
           </a:p>
           <a:p>
             <a:pPr marL="0" indent="0">
+              <a:lnSpc>
+                <a:spcPct val="70000"/>
+              </a:lnSpc>
               <a:buNone/>
             </a:pPr>
-            <a:endParaRPr lang="en-GB" dirty="0"/>
+            <a:endParaRPr lang="en-GB" sz="1900"/>
           </a:p>
           <a:p>
             <a:pPr marL="0" indent="0">
+              <a:lnSpc>
+                <a:spcPct val="70000"/>
+              </a:lnSpc>
               <a:buNone/>
             </a:pPr>
             <a:r>
-              <a:rPr lang="en-GB" dirty="0"/>
+              <a:rPr lang="en-GB" sz="1900"/>
               <a:t>Objectives</a:t>
             </a:r>
           </a:p>
           <a:p>
             <a:pPr marL="0" indent="0">
+              <a:lnSpc>
+                <a:spcPct val="70000"/>
+              </a:lnSpc>
               <a:buNone/>
             </a:pPr>
             <a:r>
-              <a:rPr lang="en-GB" sz="2100" dirty="0"/>
-              <a:t>Provide a platform that makes it more convenient to manage the following from a web interface</a:t>
-            </a:r>
-          </a:p>
-          <a:p>
+              <a:rPr lang="en-GB" sz="1900"/>
+              <a:t>Provide a platform that makes it convenient to manage the following from a web interface</a:t>
+            </a:r>
+          </a:p>
+          <a:p>
+            <a:pPr>
+              <a:lnSpc>
+                <a:spcPct val="70000"/>
+              </a:lnSpc>
+            </a:pPr>
             <a:r>
               <a:rPr lang="en-GB" sz="1900" dirty="0"/>
               <a:t>Deploy a virtual machine of the user's choice quickly by filling minimal amount of details</a:t>
             </a:r>
-          </a:p>
-          <a:p>
+            <a:endParaRPr lang="en-GB" sz="1900"/>
+          </a:p>
+          <a:p>
+            <a:pPr>
+              <a:lnSpc>
+                <a:spcPct val="70000"/>
+              </a:lnSpc>
+            </a:pPr>
             <a:r>
               <a:rPr lang="en-GB" sz="1900" dirty="0"/>
               <a:t>Configure firewall settings</a:t>
             </a:r>
-          </a:p>
-          <a:p>
+            <a:endParaRPr lang="en-GB" sz="1900"/>
+          </a:p>
+          <a:p>
+            <a:pPr>
+              <a:lnSpc>
+                <a:spcPct val="70000"/>
+              </a:lnSpc>
+            </a:pPr>
             <a:r>
               <a:rPr lang="en-GB" sz="1900" dirty="0"/>
               <a:t>Allow console access ( Set up authentication credentials (SSH keys) for your instances )</a:t>
             </a:r>
-          </a:p>
-          <a:p>
+            <a:endParaRPr lang="en-GB" sz="1900"/>
+          </a:p>
+          <a:p>
+            <a:pPr>
+              <a:lnSpc>
+                <a:spcPct val="70000"/>
+              </a:lnSpc>
+            </a:pPr>
             <a:r>
               <a:rPr lang="en-GB" sz="1900" dirty="0"/>
               <a:t>Monitor disk/CPU usage of your virtual instances</a:t>
             </a:r>
+            <a:endParaRPr lang="en-GB" sz="1900"/>
           </a:p>
         </p:txBody>
       </p:sp>

--- a/presentation.pptx
+++ b/presentation.pptx
@@ -4,11 +4,18 @@
   <p:sldMasterIdLst>
     <p:sldMasterId id="2147483648" r:id="rId1"/>
   </p:sldMasterIdLst>
+  <p:notesMasterIdLst>
+    <p:notesMasterId r:id="rId10"/>
+  </p:notesMasterIdLst>
   <p:sldIdLst>
     <p:sldId id="256" r:id="rId2"/>
     <p:sldId id="257" r:id="rId3"/>
     <p:sldId id="258" r:id="rId4"/>
-    <p:sldId id="259" r:id="rId5"/>
+    <p:sldId id="263" r:id="rId5"/>
+    <p:sldId id="265" r:id="rId6"/>
+    <p:sldId id="260" r:id="rId7"/>
+    <p:sldId id="261" r:id="rId8"/>
+    <p:sldId id="264" r:id="rId9"/>
   </p:sldIdLst>
   <p:sldSz cx="12192000" cy="6858000"/>
   <p:notesSz cx="6858000" cy="9144000"/>
@@ -108,11 +115,632 @@
     </a:lvl9pPr>
   </p:defaultTextStyle>
   <p:extLst>
+    <p:ext uri="{521415D9-36F7-43E2-AB2F-B90AF26B5E84}">
+      <p14:sectionLst xmlns:p14="http://schemas.microsoft.com/office/powerpoint/2010/main">
+        <p14:section name="Default Section" id="{B7F5FEFB-98CF-4586-83F6-FDBCD9AF5652}">
+          <p14:sldIdLst>
+            <p14:sldId id="256"/>
+            <p14:sldId id="257"/>
+          </p14:sldIdLst>
+        </p14:section>
+        <p14:section name="Untitled Section" id="{1DCA5CA5-BB89-4E1B-9C3E-00BC870A7B86}">
+          <p14:sldIdLst>
+            <p14:sldId id="258"/>
+            <p14:sldId id="263"/>
+            <p14:sldId id="265"/>
+            <p14:sldId id="260"/>
+            <p14:sldId id="261"/>
+            <p14:sldId id="264"/>
+          </p14:sldIdLst>
+        </p14:section>
+      </p14:sectionLst>
+    </p:ext>
     <p:ext uri="{EFAFB233-063F-42B5-8137-9DF3F51BA10A}">
       <p15:sldGuideLst xmlns:p15="http://schemas.microsoft.com/office/powerpoint/2012/main"/>
     </p:ext>
   </p:extLst>
 </p:presentation>
+</file>
+
+<file path=ppt/notesMasters/notesMaster1.xml><?xml version="1.0" encoding="utf-8"?>
+<p:notesMaster xmlns:a="http://schemas.openxmlformats.org/drawingml/2006/main" xmlns:r="http://schemas.openxmlformats.org/officeDocument/2006/relationships" xmlns:p="http://schemas.openxmlformats.org/presentationml/2006/main">
+  <p:cSld>
+    <p:bg>
+      <p:bgRef idx="1001">
+        <a:schemeClr val="bg1"/>
+      </p:bgRef>
+    </p:bg>
+    <p:spTree>
+      <p:nvGrpSpPr>
+        <p:cNvPr id="1" name=""/>
+        <p:cNvGrpSpPr/>
+        <p:nvPr/>
+      </p:nvGrpSpPr>
+      <p:grpSpPr>
+        <a:xfrm>
+          <a:off x="0" y="0"/>
+          <a:ext cx="0" cy="0"/>
+          <a:chOff x="0" y="0"/>
+          <a:chExt cx="0" cy="0"/>
+        </a:xfrm>
+      </p:grpSpPr>
+      <p:sp>
+        <p:nvSpPr>
+          <p:cNvPr id="2" name="Header Placeholder 1"/>
+          <p:cNvSpPr>
+            <a:spLocks noGrp="1"/>
+          </p:cNvSpPr>
+          <p:nvPr>
+            <p:ph type="hdr" sz="quarter"/>
+          </p:nvPr>
+        </p:nvSpPr>
+        <p:spPr>
+          <a:xfrm>
+            <a:off x="0" y="0"/>
+            <a:ext cx="2971800" cy="458788"/>
+          </a:xfrm>
+          <a:prstGeom prst="rect">
+            <a:avLst/>
+          </a:prstGeom>
+        </p:spPr>
+        <p:txBody>
+          <a:bodyPr vert="horz" lIns="91440" tIns="45720" rIns="91440" bIns="45720" rtlCol="0"/>
+          <a:lstStyle>
+            <a:lvl1pPr algn="l">
+              <a:defRPr sz="1200"/>
+            </a:lvl1pPr>
+          </a:lstStyle>
+          <a:p>
+            <a:endParaRPr lang="en-US"/>
+          </a:p>
+        </p:txBody>
+      </p:sp>
+      <p:sp>
+        <p:nvSpPr>
+          <p:cNvPr id="3" name="Date Placeholder 2"/>
+          <p:cNvSpPr>
+            <a:spLocks noGrp="1"/>
+          </p:cNvSpPr>
+          <p:nvPr>
+            <p:ph type="dt" idx="1"/>
+          </p:nvPr>
+        </p:nvSpPr>
+        <p:spPr>
+          <a:xfrm>
+            <a:off x="3884613" y="0"/>
+            <a:ext cx="2971800" cy="458788"/>
+          </a:xfrm>
+          <a:prstGeom prst="rect">
+            <a:avLst/>
+          </a:prstGeom>
+        </p:spPr>
+        <p:txBody>
+          <a:bodyPr vert="horz" lIns="91440" tIns="45720" rIns="91440" bIns="45720" rtlCol="0"/>
+          <a:lstStyle>
+            <a:lvl1pPr algn="r">
+              <a:defRPr sz="1200"/>
+            </a:lvl1pPr>
+          </a:lstStyle>
+          <a:p>
+            <a:fld id="{0592FED5-EFF0-4F73-9263-C6E3BFA24CDA}" type="datetimeFigureOut">
+              <a:rPr lang="en-US" smtClean="0"/>
+              <a:t>10/31/2016</a:t>
+            </a:fld>
+            <a:endParaRPr lang="en-US"/>
+          </a:p>
+        </p:txBody>
+      </p:sp>
+      <p:sp>
+        <p:nvSpPr>
+          <p:cNvPr id="4" name="Slide Image Placeholder 3"/>
+          <p:cNvSpPr>
+            <a:spLocks noGrp="1" noRot="1" noChangeAspect="1"/>
+          </p:cNvSpPr>
+          <p:nvPr>
+            <p:ph type="sldImg" idx="2"/>
+          </p:nvPr>
+        </p:nvSpPr>
+        <p:spPr>
+          <a:xfrm>
+            <a:off x="685800" y="1143000"/>
+            <a:ext cx="5486400" cy="3086100"/>
+          </a:xfrm>
+          <a:prstGeom prst="rect">
+            <a:avLst/>
+          </a:prstGeom>
+          <a:noFill/>
+          <a:ln w="12700">
+            <a:solidFill>
+              <a:prstClr val="black"/>
+            </a:solidFill>
+          </a:ln>
+        </p:spPr>
+        <p:txBody>
+          <a:bodyPr vert="horz" lIns="91440" tIns="45720" rIns="91440" bIns="45720" rtlCol="0" anchor="ctr"/>
+          <a:lstStyle/>
+          <a:p>
+            <a:endParaRPr lang="en-US"/>
+          </a:p>
+        </p:txBody>
+      </p:sp>
+      <p:sp>
+        <p:nvSpPr>
+          <p:cNvPr id="5" name="Notes Placeholder 4"/>
+          <p:cNvSpPr>
+            <a:spLocks noGrp="1"/>
+          </p:cNvSpPr>
+          <p:nvPr>
+            <p:ph type="body" sz="quarter" idx="3"/>
+          </p:nvPr>
+        </p:nvSpPr>
+        <p:spPr>
+          <a:xfrm>
+            <a:off x="685800" y="4400550"/>
+            <a:ext cx="5486400" cy="3600450"/>
+          </a:xfrm>
+          <a:prstGeom prst="rect">
+            <a:avLst/>
+          </a:prstGeom>
+        </p:spPr>
+        <p:txBody>
+          <a:bodyPr vert="horz" lIns="91440" tIns="45720" rIns="91440" bIns="45720" rtlCol="0"/>
+          <a:lstStyle/>
+          <a:p>
+            <a:pPr lvl="0"/>
+            <a:r>
+              <a:rPr lang="en-US"/>
+              <a:t>Edit Master text styles</a:t>
+            </a:r>
+          </a:p>
+          <a:p>
+            <a:pPr lvl="1"/>
+            <a:r>
+              <a:rPr lang="en-US"/>
+              <a:t>Second level</a:t>
+            </a:r>
+          </a:p>
+          <a:p>
+            <a:pPr lvl="2"/>
+            <a:r>
+              <a:rPr lang="en-US"/>
+              <a:t>Third level</a:t>
+            </a:r>
+          </a:p>
+          <a:p>
+            <a:pPr lvl="3"/>
+            <a:r>
+              <a:rPr lang="en-US"/>
+              <a:t>Fourth level</a:t>
+            </a:r>
+          </a:p>
+          <a:p>
+            <a:pPr lvl="4"/>
+            <a:r>
+              <a:rPr lang="en-US"/>
+              <a:t>Fifth level</a:t>
+            </a:r>
+            <a:endParaRPr lang="en-US"/>
+          </a:p>
+        </p:txBody>
+      </p:sp>
+      <p:sp>
+        <p:nvSpPr>
+          <p:cNvPr id="6" name="Footer Placeholder 5"/>
+          <p:cNvSpPr>
+            <a:spLocks noGrp="1"/>
+          </p:cNvSpPr>
+          <p:nvPr>
+            <p:ph type="ftr" sz="quarter" idx="4"/>
+          </p:nvPr>
+        </p:nvSpPr>
+        <p:spPr>
+          <a:xfrm>
+            <a:off x="0" y="8685213"/>
+            <a:ext cx="2971800" cy="458787"/>
+          </a:xfrm>
+          <a:prstGeom prst="rect">
+            <a:avLst/>
+          </a:prstGeom>
+        </p:spPr>
+        <p:txBody>
+          <a:bodyPr vert="horz" lIns="91440" tIns="45720" rIns="91440" bIns="45720" rtlCol="0" anchor="b"/>
+          <a:lstStyle>
+            <a:lvl1pPr algn="l">
+              <a:defRPr sz="1200"/>
+            </a:lvl1pPr>
+          </a:lstStyle>
+          <a:p>
+            <a:endParaRPr lang="en-US"/>
+          </a:p>
+        </p:txBody>
+      </p:sp>
+      <p:sp>
+        <p:nvSpPr>
+          <p:cNvPr id="7" name="Slide Number Placeholder 6"/>
+          <p:cNvSpPr>
+            <a:spLocks noGrp="1"/>
+          </p:cNvSpPr>
+          <p:nvPr>
+            <p:ph type="sldNum" sz="quarter" idx="5"/>
+          </p:nvPr>
+        </p:nvSpPr>
+        <p:spPr>
+          <a:xfrm>
+            <a:off x="3884613" y="8685213"/>
+            <a:ext cx="2971800" cy="458787"/>
+          </a:xfrm>
+          <a:prstGeom prst="rect">
+            <a:avLst/>
+          </a:prstGeom>
+        </p:spPr>
+        <p:txBody>
+          <a:bodyPr vert="horz" lIns="91440" tIns="45720" rIns="91440" bIns="45720" rtlCol="0" anchor="b"/>
+          <a:lstStyle>
+            <a:lvl1pPr algn="r">
+              <a:defRPr sz="1200"/>
+            </a:lvl1pPr>
+          </a:lstStyle>
+          <a:p>
+            <a:fld id="{4598383E-14BB-4716-93B5-43B623F0168D}" type="slidenum">
+              <a:rPr lang="en-US" smtClean="0"/>
+              <a:t>‹#›</a:t>
+            </a:fld>
+            <a:endParaRPr lang="en-US"/>
+          </a:p>
+        </p:txBody>
+      </p:sp>
+    </p:spTree>
+    <p:extLst>
+      <p:ext uri="{BB962C8B-B14F-4D97-AF65-F5344CB8AC3E}">
+        <p14:creationId xmlns:p14="http://schemas.microsoft.com/office/powerpoint/2010/main" val="3654699259"/>
+      </p:ext>
+    </p:extLst>
+  </p:cSld>
+  <p:clrMap bg1="lt1" tx1="dk1" bg2="lt2" tx2="dk2" accent1="accent1" accent2="accent2" accent3="accent3" accent4="accent4" accent5="accent5" accent6="accent6" hlink="hlink" folHlink="folHlink"/>
+  <p:notesStyle>
+    <a:lvl1pPr marL="0" algn="l" defTabSz="914400" rtl="0" eaLnBrk="1" latinLnBrk="0" hangingPunct="1">
+      <a:defRPr sz="1200" kern="1200">
+        <a:solidFill>
+          <a:schemeClr val="tx1"/>
+        </a:solidFill>
+        <a:latin typeface="+mn-lt"/>
+        <a:ea typeface="+mn-ea"/>
+        <a:cs typeface="+mn-cs"/>
+      </a:defRPr>
+    </a:lvl1pPr>
+    <a:lvl2pPr marL="457200" algn="l" defTabSz="914400" rtl="0" eaLnBrk="1" latinLnBrk="0" hangingPunct="1">
+      <a:defRPr sz="1200" kern="1200">
+        <a:solidFill>
+          <a:schemeClr val="tx1"/>
+        </a:solidFill>
+        <a:latin typeface="+mn-lt"/>
+        <a:ea typeface="+mn-ea"/>
+        <a:cs typeface="+mn-cs"/>
+      </a:defRPr>
+    </a:lvl2pPr>
+    <a:lvl3pPr marL="914400" algn="l" defTabSz="914400" rtl="0" eaLnBrk="1" latinLnBrk="0" hangingPunct="1">
+      <a:defRPr sz="1200" kern="1200">
+        <a:solidFill>
+          <a:schemeClr val="tx1"/>
+        </a:solidFill>
+        <a:latin typeface="+mn-lt"/>
+        <a:ea typeface="+mn-ea"/>
+        <a:cs typeface="+mn-cs"/>
+      </a:defRPr>
+    </a:lvl3pPr>
+    <a:lvl4pPr marL="1371600" algn="l" defTabSz="914400" rtl="0" eaLnBrk="1" latinLnBrk="0" hangingPunct="1">
+      <a:defRPr sz="1200" kern="1200">
+        <a:solidFill>
+          <a:schemeClr val="tx1"/>
+        </a:solidFill>
+        <a:latin typeface="+mn-lt"/>
+        <a:ea typeface="+mn-ea"/>
+        <a:cs typeface="+mn-cs"/>
+      </a:defRPr>
+    </a:lvl4pPr>
+    <a:lvl5pPr marL="1828800" algn="l" defTabSz="914400" rtl="0" eaLnBrk="1" latinLnBrk="0" hangingPunct="1">
+      <a:defRPr sz="1200" kern="1200">
+        <a:solidFill>
+          <a:schemeClr val="tx1"/>
+        </a:solidFill>
+        <a:latin typeface="+mn-lt"/>
+        <a:ea typeface="+mn-ea"/>
+        <a:cs typeface="+mn-cs"/>
+      </a:defRPr>
+    </a:lvl5pPr>
+    <a:lvl6pPr marL="2286000" algn="l" defTabSz="914400" rtl="0" eaLnBrk="1" latinLnBrk="0" hangingPunct="1">
+      <a:defRPr sz="1200" kern="1200">
+        <a:solidFill>
+          <a:schemeClr val="tx1"/>
+        </a:solidFill>
+        <a:latin typeface="+mn-lt"/>
+        <a:ea typeface="+mn-ea"/>
+        <a:cs typeface="+mn-cs"/>
+      </a:defRPr>
+    </a:lvl6pPr>
+    <a:lvl7pPr marL="2743200" algn="l" defTabSz="914400" rtl="0" eaLnBrk="1" latinLnBrk="0" hangingPunct="1">
+      <a:defRPr sz="1200" kern="1200">
+        <a:solidFill>
+          <a:schemeClr val="tx1"/>
+        </a:solidFill>
+        <a:latin typeface="+mn-lt"/>
+        <a:ea typeface="+mn-ea"/>
+        <a:cs typeface="+mn-cs"/>
+      </a:defRPr>
+    </a:lvl7pPr>
+    <a:lvl8pPr marL="3200400" algn="l" defTabSz="914400" rtl="0" eaLnBrk="1" latinLnBrk="0" hangingPunct="1">
+      <a:defRPr sz="1200" kern="1200">
+        <a:solidFill>
+          <a:schemeClr val="tx1"/>
+        </a:solidFill>
+        <a:latin typeface="+mn-lt"/>
+        <a:ea typeface="+mn-ea"/>
+        <a:cs typeface="+mn-cs"/>
+      </a:defRPr>
+    </a:lvl8pPr>
+    <a:lvl9pPr marL="3657600" algn="l" defTabSz="914400" rtl="0" eaLnBrk="1" latinLnBrk="0" hangingPunct="1">
+      <a:defRPr sz="1200" kern="1200">
+        <a:solidFill>
+          <a:schemeClr val="tx1"/>
+        </a:solidFill>
+        <a:latin typeface="+mn-lt"/>
+        <a:ea typeface="+mn-ea"/>
+        <a:cs typeface="+mn-cs"/>
+      </a:defRPr>
+    </a:lvl9pPr>
+  </p:notesStyle>
+</p:notesMaster>
+</file>
+
+<file path=ppt/notesSlides/notesSlide1.xml><?xml version="1.0" encoding="utf-8"?>
+<p:notes xmlns:a="http://schemas.openxmlformats.org/drawingml/2006/main" xmlns:r="http://schemas.openxmlformats.org/officeDocument/2006/relationships" xmlns:p="http://schemas.openxmlformats.org/presentationml/2006/main">
+  <p:cSld>
+    <p:spTree>
+      <p:nvGrpSpPr>
+        <p:cNvPr id="1" name=""/>
+        <p:cNvGrpSpPr/>
+        <p:nvPr/>
+      </p:nvGrpSpPr>
+      <p:grpSpPr>
+        <a:xfrm>
+          <a:off x="0" y="0"/>
+          <a:ext cx="0" cy="0"/>
+          <a:chOff x="0" y="0"/>
+          <a:chExt cx="0" cy="0"/>
+        </a:xfrm>
+      </p:grpSpPr>
+      <p:sp>
+        <p:nvSpPr>
+          <p:cNvPr id="2" name="Slide Image Placeholder 1"/>
+          <p:cNvSpPr>
+            <a:spLocks noGrp="1" noRot="1" noChangeAspect="1"/>
+          </p:cNvSpPr>
+          <p:nvPr>
+            <p:ph type="sldImg"/>
+          </p:nvPr>
+        </p:nvSpPr>
+        <p:spPr/>
+      </p:sp>
+      <p:sp>
+        <p:nvSpPr>
+          <p:cNvPr id="3" name="Notes Placeholder 2"/>
+          <p:cNvSpPr>
+            <a:spLocks noGrp="1"/>
+          </p:cNvSpPr>
+          <p:nvPr>
+            <p:ph type="body" idx="1"/>
+          </p:nvPr>
+        </p:nvSpPr>
+        <p:spPr/>
+        <p:txBody>
+          <a:bodyPr/>
+          <a:lstStyle/>
+          <a:p>
+            <a:r>
+              <a:rPr lang="en-US" dirty="0"/>
+              <a:t>I</a:t>
+            </a:r>
+            <a:r>
+              <a:rPr lang="en-US" baseline="0" dirty="0"/>
+              <a:t> added this slide just to make a point.</a:t>
+            </a:r>
+          </a:p>
+          <a:p>
+            <a:r>
+              <a:rPr lang="en-US" baseline="0" dirty="0"/>
+              <a:t>If you are an android developer you don’t have time to read the </a:t>
+            </a:r>
+            <a:r>
+              <a:rPr lang="en-US" baseline="0" dirty="0" err="1"/>
+              <a:t>virtualbox</a:t>
+            </a:r>
+            <a:r>
+              <a:rPr lang="en-US" baseline="0" dirty="0"/>
+              <a:t>/</a:t>
+            </a:r>
+            <a:r>
+              <a:rPr lang="en-US" baseline="0" dirty="0" err="1"/>
+              <a:t>vmware</a:t>
+            </a:r>
+            <a:r>
+              <a:rPr lang="en-US" baseline="0" dirty="0"/>
+              <a:t> tutorial now how to deploy your environment, it would be better if you </a:t>
+            </a:r>
+            <a:r>
+              <a:rPr lang="en-US" baseline="0"/>
+              <a:t>just said “ENVIRONMENT, GO!”</a:t>
+            </a:r>
+            <a:endParaRPr lang="en-US"/>
+          </a:p>
+        </p:txBody>
+      </p:sp>
+      <p:sp>
+        <p:nvSpPr>
+          <p:cNvPr id="4" name="Slide Number Placeholder 3"/>
+          <p:cNvSpPr>
+            <a:spLocks noGrp="1"/>
+          </p:cNvSpPr>
+          <p:nvPr>
+            <p:ph type="sldNum" sz="quarter" idx="10"/>
+          </p:nvPr>
+        </p:nvSpPr>
+        <p:spPr/>
+        <p:txBody>
+          <a:bodyPr/>
+          <a:lstStyle/>
+          <a:p>
+            <a:fld id="{4598383E-14BB-4716-93B5-43B623F0168D}" type="slidenum">
+              <a:rPr lang="en-US" smtClean="0"/>
+              <a:t>3</a:t>
+            </a:fld>
+            <a:endParaRPr lang="en-US"/>
+          </a:p>
+        </p:txBody>
+      </p:sp>
+    </p:spTree>
+    <p:extLst>
+      <p:ext uri="{BB962C8B-B14F-4D97-AF65-F5344CB8AC3E}">
+        <p14:creationId xmlns:p14="http://schemas.microsoft.com/office/powerpoint/2010/main" val="411590573"/>
+      </p:ext>
+    </p:extLst>
+  </p:cSld>
+  <p:clrMapOvr>
+    <a:masterClrMapping/>
+  </p:clrMapOvr>
+</p:notes>
+</file>
+
+<file path=ppt/notesSlides/notesSlide2.xml><?xml version="1.0" encoding="utf-8"?>
+<p:notes xmlns:a="http://schemas.openxmlformats.org/drawingml/2006/main" xmlns:r="http://schemas.openxmlformats.org/officeDocument/2006/relationships" xmlns:p="http://schemas.openxmlformats.org/presentationml/2006/main">
+  <p:cSld>
+    <p:spTree>
+      <p:nvGrpSpPr>
+        <p:cNvPr id="1" name=""/>
+        <p:cNvGrpSpPr/>
+        <p:nvPr/>
+      </p:nvGrpSpPr>
+      <p:grpSpPr>
+        <a:xfrm>
+          <a:off x="0" y="0"/>
+          <a:ext cx="0" cy="0"/>
+          <a:chOff x="0" y="0"/>
+          <a:chExt cx="0" cy="0"/>
+        </a:xfrm>
+      </p:grpSpPr>
+      <p:sp>
+        <p:nvSpPr>
+          <p:cNvPr id="2" name="Slide Image Placeholder 1"/>
+          <p:cNvSpPr>
+            <a:spLocks noGrp="1" noRot="1" noChangeAspect="1"/>
+          </p:cNvSpPr>
+          <p:nvPr>
+            <p:ph type="sldImg"/>
+          </p:nvPr>
+        </p:nvSpPr>
+        <p:spPr/>
+      </p:sp>
+      <p:sp>
+        <p:nvSpPr>
+          <p:cNvPr id="3" name="Notes Placeholder 2"/>
+          <p:cNvSpPr>
+            <a:spLocks noGrp="1"/>
+          </p:cNvSpPr>
+          <p:nvPr>
+            <p:ph type="body" idx="1"/>
+          </p:nvPr>
+        </p:nvSpPr>
+        <p:spPr/>
+        <p:txBody>
+          <a:bodyPr/>
+          <a:lstStyle/>
+          <a:p>
+            <a:r>
+              <a:rPr lang="en-US" dirty="0"/>
+              <a:t>Benefits:</a:t>
+            </a:r>
+          </a:p>
+          <a:p>
+            <a:r>
+              <a:rPr lang="en-US" dirty="0"/>
+              <a:t>When</a:t>
+            </a:r>
+            <a:r>
+              <a:rPr lang="en-US" baseline="0" dirty="0"/>
+              <a:t> big companies deploy their software, they are often very concerned with the hardware specification on which they are running, as different architectures have different oddities.</a:t>
+            </a:r>
+          </a:p>
+          <a:p>
+            <a:r>
+              <a:rPr lang="en-US" baseline="0" dirty="0"/>
+              <a:t>Some of their clients might have old hardware, some might have new and buggy hardware, all of these details have to be factored in during development = COST</a:t>
+            </a:r>
+          </a:p>
+          <a:p>
+            <a:r>
+              <a:rPr lang="en-US" baseline="0" dirty="0"/>
+              <a:t>In a virtualized environment, the developer is running on top of an abstraction layer that “irons out” all these oddities.</a:t>
+            </a:r>
+          </a:p>
+          <a:p>
+            <a:r>
+              <a:rPr lang="en-US" baseline="0" dirty="0"/>
+              <a:t>That means that a developer can be more productive (ignoring the dev work that goes into wrestling with the infrastructure)</a:t>
+            </a:r>
+          </a:p>
+          <a:p>
+            <a:r>
+              <a:rPr lang="en-US" baseline="0" dirty="0"/>
+              <a:t>Virtual server migration is very easy ! One day your servers are in London, the other in Amsterdam, they could be anywhere and it (mostly) doesn’t matter. This means that your company is not held at gunpoint by the provider of your physical servers</a:t>
+            </a:r>
+          </a:p>
+          <a:p>
+            <a:r>
+              <a:rPr lang="en-US" baseline="0" dirty="0"/>
+              <a:t>Maintaining servers in-house is very expensive and requires very talented people.</a:t>
+            </a:r>
+          </a:p>
+          <a:p>
+            <a:r>
+              <a:rPr lang="en-US" baseline="0" dirty="0"/>
+              <a:t>The emerging of cloud computing has lowered the barrier to entry for app developers. They just click a button and their dev environment is waiting for actions (0 configuration)</a:t>
+            </a:r>
+          </a:p>
+        </p:txBody>
+      </p:sp>
+      <p:sp>
+        <p:nvSpPr>
+          <p:cNvPr id="4" name="Slide Number Placeholder 3"/>
+          <p:cNvSpPr>
+            <a:spLocks noGrp="1"/>
+          </p:cNvSpPr>
+          <p:nvPr>
+            <p:ph type="sldNum" sz="quarter" idx="10"/>
+          </p:nvPr>
+        </p:nvSpPr>
+        <p:spPr/>
+        <p:txBody>
+          <a:bodyPr/>
+          <a:lstStyle/>
+          <a:p>
+            <a:fld id="{4598383E-14BB-4716-93B5-43B623F0168D}" type="slidenum">
+              <a:rPr lang="en-US" smtClean="0"/>
+              <a:t>4</a:t>
+            </a:fld>
+            <a:endParaRPr lang="en-US"/>
+          </a:p>
+        </p:txBody>
+      </p:sp>
+    </p:spTree>
+    <p:extLst>
+      <p:ext uri="{BB962C8B-B14F-4D97-AF65-F5344CB8AC3E}">
+        <p14:creationId xmlns:p14="http://schemas.microsoft.com/office/powerpoint/2010/main" val="3865534887"/>
+      </p:ext>
+    </p:extLst>
+  </p:cSld>
+  <p:clrMapOvr>
+    <a:masterClrMapping/>
+  </p:clrMapOvr>
+</p:notes>
 </file>
 
 <file path=ppt/slideLayouts/slideLayout1.xml><?xml version="1.0" encoding="utf-8"?>
@@ -246,7 +874,7 @@
           <a:p>
             <a:fld id="{A1E9B794-CBB8-4675-89EF-64900E035843}" type="datetimeFigureOut">
               <a:rPr lang="en-GB" smtClean="0"/>
-              <a:t>30/10/2016</a:t>
+              <a:t>31/10/2016</a:t>
             </a:fld>
             <a:endParaRPr lang="en-GB"/>
           </a:p>
@@ -416,7 +1044,7 @@
           <a:p>
             <a:fld id="{A1E9B794-CBB8-4675-89EF-64900E035843}" type="datetimeFigureOut">
               <a:rPr lang="en-GB" smtClean="0"/>
-              <a:t>30/10/2016</a:t>
+              <a:t>31/10/2016</a:t>
             </a:fld>
             <a:endParaRPr lang="en-GB"/>
           </a:p>
@@ -596,7 +1224,7 @@
           <a:p>
             <a:fld id="{A1E9B794-CBB8-4675-89EF-64900E035843}" type="datetimeFigureOut">
               <a:rPr lang="en-GB" smtClean="0"/>
-              <a:t>30/10/2016</a:t>
+              <a:t>31/10/2016</a:t>
             </a:fld>
             <a:endParaRPr lang="en-GB"/>
           </a:p>
@@ -766,7 +1394,7 @@
           <a:p>
             <a:fld id="{A1E9B794-CBB8-4675-89EF-64900E035843}" type="datetimeFigureOut">
               <a:rPr lang="en-GB" smtClean="0"/>
-              <a:t>30/10/2016</a:t>
+              <a:t>31/10/2016</a:t>
             </a:fld>
             <a:endParaRPr lang="en-GB"/>
           </a:p>
@@ -1012,7 +1640,7 @@
           <a:p>
             <a:fld id="{A1E9B794-CBB8-4675-89EF-64900E035843}" type="datetimeFigureOut">
               <a:rPr lang="en-GB" smtClean="0"/>
-              <a:t>30/10/2016</a:t>
+              <a:t>31/10/2016</a:t>
             </a:fld>
             <a:endParaRPr lang="en-GB"/>
           </a:p>
@@ -1244,7 +1872,7 @@
           <a:p>
             <a:fld id="{A1E9B794-CBB8-4675-89EF-64900E035843}" type="datetimeFigureOut">
               <a:rPr lang="en-GB" smtClean="0"/>
-              <a:t>30/10/2016</a:t>
+              <a:t>31/10/2016</a:t>
             </a:fld>
             <a:endParaRPr lang="en-GB"/>
           </a:p>
@@ -1611,7 +2239,7 @@
           <a:p>
             <a:fld id="{A1E9B794-CBB8-4675-89EF-64900E035843}" type="datetimeFigureOut">
               <a:rPr lang="en-GB" smtClean="0"/>
-              <a:t>30/10/2016</a:t>
+              <a:t>31/10/2016</a:t>
             </a:fld>
             <a:endParaRPr lang="en-GB"/>
           </a:p>
@@ -1729,7 +2357,7 @@
           <a:p>
             <a:fld id="{A1E9B794-CBB8-4675-89EF-64900E035843}" type="datetimeFigureOut">
               <a:rPr lang="en-GB" smtClean="0"/>
-              <a:t>30/10/2016</a:t>
+              <a:t>31/10/2016</a:t>
             </a:fld>
             <a:endParaRPr lang="en-GB"/>
           </a:p>
@@ -1824,7 +2452,7 @@
           <a:p>
             <a:fld id="{A1E9B794-CBB8-4675-89EF-64900E035843}" type="datetimeFigureOut">
               <a:rPr lang="en-GB" smtClean="0"/>
-              <a:t>30/10/2016</a:t>
+              <a:t>31/10/2016</a:t>
             </a:fld>
             <a:endParaRPr lang="en-GB"/>
           </a:p>
@@ -2101,7 +2729,7 @@
           <a:p>
             <a:fld id="{A1E9B794-CBB8-4675-89EF-64900E035843}" type="datetimeFigureOut">
               <a:rPr lang="en-GB" smtClean="0"/>
-              <a:t>30/10/2016</a:t>
+              <a:t>31/10/2016</a:t>
             </a:fld>
             <a:endParaRPr lang="en-GB"/>
           </a:p>
@@ -2354,7 +2982,7 @@
           <a:p>
             <a:fld id="{A1E9B794-CBB8-4675-89EF-64900E035843}" type="datetimeFigureOut">
               <a:rPr lang="en-GB" smtClean="0"/>
-              <a:t>30/10/2016</a:t>
+              <a:t>31/10/2016</a:t>
             </a:fld>
             <a:endParaRPr lang="en-GB"/>
           </a:p>
@@ -2567,7 +3195,7 @@
           <a:p>
             <a:fld id="{A1E9B794-CBB8-4675-89EF-64900E035843}" type="datetimeFigureOut">
               <a:rPr lang="en-GB" smtClean="0"/>
-              <a:t>30/10/2016</a:t>
+              <a:t>31/10/2016</a:t>
             </a:fld>
             <a:endParaRPr lang="en-GB"/>
           </a:p>
@@ -3082,7 +3710,7 @@
       </p:pic>
       <p:cxnSp>
         <p:nvCxnSpPr>
-          <p:cNvPr id="7" name="Straight Connector 5"/>
+          <p:cNvPr id="10" name="Straight Connector 8"/>
           <p:cNvCxnSpPr>
             <a:cxnSpLocks noGrp="1" noRot="1" noChangeAspect="1" noMove="1" noResize="1" noEditPoints="1" noAdjustHandles="1" noChangeArrowheads="1" noChangeShapeType="1"/>
           </p:cNvCxnSpPr>
@@ -3146,10 +3774,9 @@
           <a:lstStyle/>
           <a:p>
             <a:r>
-              <a:rPr lang="en-GB"/>
+              <a:rPr lang="en-GB" dirty="0"/>
               <a:t>Goals</a:t>
             </a:r>
-            <a:endParaRPr lang="en-GB" dirty="0"/>
           </a:p>
         </p:txBody>
       </p:sp>
@@ -3182,7 +3809,7 @@
               <a:buNone/>
             </a:pPr>
             <a:r>
-              <a:rPr lang="en-GB" sz="1900"/>
+              <a:rPr lang="en-GB" sz="1700"/>
               <a:t>Aim</a:t>
             </a:r>
           </a:p>
@@ -3194,8 +3821,8 @@
               <a:buNone/>
             </a:pPr>
             <a:r>
-              <a:rPr lang="en-GB" sz="1900"/>
-              <a:t> Give developers a platform for easy deployment, management and monitoring of virtual servers</a:t>
+              <a:rPr lang="en-GB" sz="1700"/>
+              <a:t>Create a platform for deployment, management and monitoring of virtual servers</a:t>
             </a:r>
           </a:p>
           <a:p>
@@ -3205,7 +3832,7 @@
               </a:lnSpc>
               <a:buNone/>
             </a:pPr>
-            <a:endParaRPr lang="en-GB" sz="1900"/>
+            <a:endParaRPr lang="en-GB" sz="1700"/>
           </a:p>
           <a:p>
             <a:pPr marL="0" indent="0">
@@ -3215,7 +3842,7 @@
               <a:buNone/>
             </a:pPr>
             <a:r>
-              <a:rPr lang="en-GB" sz="1900"/>
+              <a:rPr lang="en-GB" sz="1700"/>
               <a:t>Objectives</a:t>
             </a:r>
           </a:p>
@@ -3227,7 +3854,7 @@
               <a:buNone/>
             </a:pPr>
             <a:r>
-              <a:rPr lang="en-GB" sz="1900"/>
+              <a:rPr lang="en-GB" sz="1700"/>
               <a:t>Provide a platform that makes it convenient to manage the following from a web interface</a:t>
             </a:r>
           </a:p>
@@ -3238,10 +3865,9 @@
               </a:lnSpc>
             </a:pPr>
             <a:r>
-              <a:rPr lang="en-GB" sz="1900" dirty="0"/>
+              <a:rPr lang="en-GB" sz="1700"/>
               <a:t>Deploy a virtual machine of the user's choice quickly by filling minimal amount of details</a:t>
             </a:r>
-            <a:endParaRPr lang="en-GB" sz="1900"/>
           </a:p>
           <a:p>
             <a:pPr>
@@ -3250,10 +3876,9 @@
               </a:lnSpc>
             </a:pPr>
             <a:r>
-              <a:rPr lang="en-GB" sz="1900" dirty="0"/>
+              <a:rPr lang="en-GB" sz="1700"/>
               <a:t>Configure firewall settings</a:t>
             </a:r>
-            <a:endParaRPr lang="en-GB" sz="1900"/>
           </a:p>
           <a:p>
             <a:pPr>
@@ -3262,10 +3887,9 @@
               </a:lnSpc>
             </a:pPr>
             <a:r>
-              <a:rPr lang="en-GB" sz="1900" dirty="0"/>
+              <a:rPr lang="en-GB" sz="1700"/>
               <a:t>Allow console access ( Set up authentication credentials (SSH keys) for your instances )</a:t>
             </a:r>
-            <a:endParaRPr lang="en-GB" sz="1900"/>
           </a:p>
           <a:p>
             <a:pPr>
@@ -3274,10 +3898,20 @@
               </a:lnSpc>
             </a:pPr>
             <a:r>
-              <a:rPr lang="en-GB" sz="1900" dirty="0"/>
+              <a:rPr lang="en-GB" sz="1700"/>
               <a:t>Monitor disk/CPU usage of your virtual instances</a:t>
             </a:r>
-            <a:endParaRPr lang="en-GB" sz="1900"/>
+          </a:p>
+          <a:p>
+            <a:pPr>
+              <a:lnSpc>
+                <a:spcPct val="70000"/>
+              </a:lnSpc>
+            </a:pPr>
+            <a:r>
+              <a:rPr lang="en-GB" sz="1700"/>
+              <a:t>Installation of common applications (nginx, mysql, text editors)</a:t>
+            </a:r>
           </a:p>
         </p:txBody>
       </p:sp>
@@ -3319,7 +3953,7 @@
         </p:nvSpPr>
         <p:spPr>
           <a:xfrm>
-            <a:off x="-46721" y="1370468"/>
+            <a:off x="-81124" y="1640869"/>
             <a:ext cx="13455696" cy="6572131"/>
           </a:xfrm>
           <a:prstGeom prst="rect">
@@ -3357,36 +3991,6 @@
       <p:pic>
         <p:nvPicPr>
           <p:cNvPr id="4" name="Picture 3"/>
-          <p:cNvPicPr>
-            <a:picLocks noChangeAspect="1"/>
-          </p:cNvPicPr>
-          <p:nvPr/>
-        </p:nvPicPr>
-        <p:blipFill>
-          <a:blip r:embed="rId2">
-            <a:extLst>
-              <a:ext uri="{28A0092B-C50C-407E-A947-70E740481C1C}">
-                <a14:useLocalDpi xmlns:a14="http://schemas.microsoft.com/office/drawing/2010/main" val="0"/>
-              </a:ext>
-            </a:extLst>
-          </a:blip>
-          <a:stretch>
-            <a:fillRect/>
-          </a:stretch>
-        </p:blipFill>
-        <p:spPr>
-          <a:xfrm>
-            <a:off x="5330478" y="3592533"/>
-            <a:ext cx="4504176" cy="3385196"/>
-          </a:xfrm>
-          <a:prstGeom prst="rect">
-            <a:avLst/>
-          </a:prstGeom>
-        </p:spPr>
-      </p:pic>
-      <p:pic>
-        <p:nvPicPr>
-          <p:cNvPr id="5" name="Picture 4"/>
           <p:cNvPicPr>
             <a:picLocks noChangeAspect="1"/>
           </p:cNvPicPr>
@@ -3406,8 +4010,8 @@
         </p:blipFill>
         <p:spPr>
           <a:xfrm>
-            <a:off x="2971487" y="4096036"/>
-            <a:ext cx="3567550" cy="2677062"/>
+            <a:off x="5330478" y="3592533"/>
+            <a:ext cx="4504176" cy="3385196"/>
           </a:xfrm>
           <a:prstGeom prst="rect">
             <a:avLst/>
@@ -3416,7 +4020,7 @@
       </p:pic>
       <p:pic>
         <p:nvPicPr>
-          <p:cNvPr id="6" name="Picture 5"/>
+          <p:cNvPr id="5" name="Picture 4"/>
           <p:cNvPicPr>
             <a:picLocks noChangeAspect="1"/>
           </p:cNvPicPr>
@@ -3436,8 +4040,8 @@
         </p:blipFill>
         <p:spPr>
           <a:xfrm>
-            <a:off x="7759291" y="1370468"/>
-            <a:ext cx="4855266" cy="3649064"/>
+            <a:off x="2971487" y="4096036"/>
+            <a:ext cx="3567550" cy="2677062"/>
           </a:xfrm>
           <a:prstGeom prst="rect">
             <a:avLst/>
@@ -3446,14 +4050,14 @@
       </p:pic>
       <p:pic>
         <p:nvPicPr>
-          <p:cNvPr id="7" name="Picture 6"/>
+          <p:cNvPr id="6" name="Picture 5"/>
           <p:cNvPicPr>
             <a:picLocks noChangeAspect="1"/>
           </p:cNvPicPr>
           <p:nvPr/>
         </p:nvPicPr>
         <p:blipFill>
-          <a:blip r:embed="rId5" cstate="print">
+          <a:blip r:embed="rId5">
             <a:extLst>
               <a:ext uri="{28A0092B-C50C-407E-A947-70E740481C1C}">
                 <a14:useLocalDpi xmlns:a14="http://schemas.microsoft.com/office/drawing/2010/main" val="0"/>
@@ -3466,8 +4070,8 @@
         </p:blipFill>
         <p:spPr>
           <a:xfrm>
-            <a:off x="89573" y="4815390"/>
-            <a:ext cx="2881914" cy="2163250"/>
+            <a:off x="7758004" y="1824800"/>
+            <a:ext cx="4855266" cy="3649064"/>
           </a:xfrm>
           <a:prstGeom prst="rect">
             <a:avLst/>
@@ -3476,7 +4080,7 @@
       </p:pic>
       <p:pic>
         <p:nvPicPr>
-          <p:cNvPr id="8" name="Picture 7"/>
+          <p:cNvPr id="7" name="Picture 6"/>
           <p:cNvPicPr>
             <a:picLocks noChangeAspect="1"/>
           </p:cNvPicPr>
@@ -3496,8 +4100,8 @@
         </p:blipFill>
         <p:spPr>
           <a:xfrm>
-            <a:off x="8927087" y="4115499"/>
-            <a:ext cx="3264913" cy="2447663"/>
+            <a:off x="89573" y="4815390"/>
+            <a:ext cx="2881914" cy="2163250"/>
           </a:xfrm>
           <a:prstGeom prst="rect">
             <a:avLst/>
@@ -3506,14 +4110,14 @@
       </p:pic>
       <p:pic>
         <p:nvPicPr>
-          <p:cNvPr id="9" name="Picture 8"/>
+          <p:cNvPr id="8" name="Picture 7"/>
           <p:cNvPicPr>
             <a:picLocks noChangeAspect="1"/>
           </p:cNvPicPr>
           <p:nvPr/>
         </p:nvPicPr>
         <p:blipFill>
-          <a:blip r:embed="rId7">
+          <a:blip r:embed="rId7" cstate="print">
             <a:extLst>
               <a:ext uri="{28A0092B-C50C-407E-A947-70E740481C1C}">
                 <a14:useLocalDpi xmlns:a14="http://schemas.microsoft.com/office/drawing/2010/main" val="0"/>
@@ -3526,8 +4130,8 @@
         </p:blipFill>
         <p:spPr>
           <a:xfrm>
-            <a:off x="89573" y="2789986"/>
-            <a:ext cx="3401166" cy="2550875"/>
+            <a:off x="8927087" y="4115499"/>
+            <a:ext cx="3264913" cy="2447663"/>
           </a:xfrm>
           <a:prstGeom prst="rect">
             <a:avLst/>
@@ -3536,14 +4140,14 @@
       </p:pic>
       <p:pic>
         <p:nvPicPr>
-          <p:cNvPr id="10" name="Picture 9"/>
+          <p:cNvPr id="9" name="Picture 8"/>
           <p:cNvPicPr>
             <a:picLocks noChangeAspect="1"/>
           </p:cNvPicPr>
           <p:nvPr/>
         </p:nvPicPr>
         <p:blipFill>
-          <a:blip r:embed="rId8" cstate="print">
+          <a:blip r:embed="rId8">
             <a:extLst>
               <a:ext uri="{28A0092B-C50C-407E-A947-70E740481C1C}">
                 <a14:useLocalDpi xmlns:a14="http://schemas.microsoft.com/office/drawing/2010/main" val="0"/>
@@ -3556,8 +4160,8 @@
         </p:blipFill>
         <p:spPr>
           <a:xfrm>
-            <a:off x="3359731" y="1559480"/>
-            <a:ext cx="3281349" cy="2461012"/>
+            <a:off x="89573" y="2789986"/>
+            <a:ext cx="3401166" cy="2550875"/>
           </a:xfrm>
           <a:prstGeom prst="rect">
             <a:avLst/>
@@ -3566,7 +4170,7 @@
       </p:pic>
       <p:pic>
         <p:nvPicPr>
-          <p:cNvPr id="11" name="Picture 10"/>
+          <p:cNvPr id="10" name="Picture 9"/>
           <p:cNvPicPr>
             <a:picLocks noChangeAspect="1"/>
           </p:cNvPicPr>
@@ -3586,8 +4190,8 @@
         </p:blipFill>
         <p:spPr>
           <a:xfrm>
-            <a:off x="6591235" y="2145919"/>
-            <a:ext cx="2637496" cy="1978122"/>
+            <a:off x="3365375" y="1682307"/>
+            <a:ext cx="3281349" cy="2461012"/>
           </a:xfrm>
           <a:prstGeom prst="rect">
             <a:avLst/>
@@ -3596,7 +4200,7 @@
       </p:pic>
       <p:pic>
         <p:nvPicPr>
-          <p:cNvPr id="12" name="Picture 11"/>
+          <p:cNvPr id="11" name="Picture 10"/>
           <p:cNvPicPr>
             <a:picLocks noChangeAspect="1"/>
           </p:cNvPicPr>
@@ -3616,8 +4220,8 @@
         </p:blipFill>
         <p:spPr>
           <a:xfrm>
-            <a:off x="2639526" y="5498686"/>
-            <a:ext cx="2838601" cy="2128951"/>
+            <a:off x="6591235" y="2145919"/>
+            <a:ext cx="2637496" cy="1978122"/>
           </a:xfrm>
           <a:prstGeom prst="rect">
             <a:avLst/>
@@ -3626,7 +4230,7 @@
       </p:pic>
       <p:pic>
         <p:nvPicPr>
-          <p:cNvPr id="13" name="Picture 12"/>
+          <p:cNvPr id="12" name="Picture 11"/>
           <p:cNvPicPr>
             <a:picLocks noChangeAspect="1"/>
           </p:cNvPicPr>
@@ -3646,8 +4250,8 @@
         </p:blipFill>
         <p:spPr>
           <a:xfrm>
-            <a:off x="7837118" y="4994807"/>
-            <a:ext cx="3265452" cy="2449089"/>
+            <a:off x="2639526" y="5498686"/>
+            <a:ext cx="2838601" cy="2128951"/>
           </a:xfrm>
           <a:prstGeom prst="rect">
             <a:avLst/>
@@ -3656,14 +4260,14 @@
       </p:pic>
       <p:pic>
         <p:nvPicPr>
-          <p:cNvPr id="14" name="Picture 13"/>
+          <p:cNvPr id="13" name="Picture 12"/>
           <p:cNvPicPr>
             <a:picLocks noChangeAspect="1"/>
           </p:cNvPicPr>
           <p:nvPr/>
         </p:nvPicPr>
         <p:blipFill>
-          <a:blip r:embed="rId12">
+          <a:blip r:embed="rId12" cstate="print">
             <a:extLst>
               <a:ext uri="{28A0092B-C50C-407E-A947-70E740481C1C}">
                 <a14:useLocalDpi xmlns:a14="http://schemas.microsoft.com/office/drawing/2010/main" val="0"/>
@@ -3676,14 +4280,44 @@
         </p:blipFill>
         <p:spPr>
           <a:xfrm>
-            <a:off x="276532" y="1483044"/>
-            <a:ext cx="3640093" cy="2730070"/>
+            <a:off x="7837118" y="4994807"/>
+            <a:ext cx="3265452" cy="2449089"/>
           </a:xfrm>
           <a:prstGeom prst="rect">
             <a:avLst/>
           </a:prstGeom>
         </p:spPr>
       </p:pic>
+      <p:pic>
+        <p:nvPicPr>
+          <p:cNvPr id="14" name="Picture 13"/>
+          <p:cNvPicPr>
+            <a:picLocks noChangeAspect="1"/>
+          </p:cNvPicPr>
+          <p:nvPr/>
+        </p:nvPicPr>
+        <p:blipFill>
+          <a:blip r:embed="rId13">
+            <a:extLst>
+              <a:ext uri="{28A0092B-C50C-407E-A947-70E740481C1C}">
+                <a14:useLocalDpi xmlns:a14="http://schemas.microsoft.com/office/drawing/2010/main" val="0"/>
+              </a:ext>
+            </a:extLst>
+          </a:blip>
+          <a:stretch>
+            <a:fillRect/>
+          </a:stretch>
+        </p:blipFill>
+        <p:spPr>
+          <a:xfrm>
+            <a:off x="275988" y="1640869"/>
+            <a:ext cx="3640093" cy="2730070"/>
+          </a:xfrm>
+          <a:prstGeom prst="rect">
+            <a:avLst/>
+          </a:prstGeom>
+        </p:spPr>
+      </p:pic>
       <p:sp>
         <p:nvSpPr>
           <p:cNvPr id="15" name="Title 1"/>
@@ -3697,16 +4331,25 @@
         <p:spPr>
           <a:xfrm>
             <a:off x="838200" y="365125"/>
-            <a:ext cx="10515600" cy="1325563"/>
-          </a:xfrm>
-        </p:spPr>
-        <p:txBody>
-          <a:bodyPr/>
+            <a:ext cx="11501846" cy="1117919"/>
+          </a:xfrm>
+        </p:spPr>
+        <p:txBody>
+          <a:bodyPr>
+            <a:normAutofit fontScale="90000"/>
+          </a:bodyPr>
           <a:lstStyle/>
           <a:p>
             <a:r>
               <a:rPr lang="en-GB" dirty="0"/>
-              <a:t>Setting up a server in 30 easy steps</a:t>
+              <a:t>Setting up a server in 30 steps</a:t>
+            </a:r>
+            <a:br>
+              <a:rPr lang="en-GB" dirty="0"/>
+            </a:br>
+            <a:r>
+              <a:rPr lang="en-GB" dirty="0"/>
+              <a:t>(hardware  installation and configuration not included)</a:t>
             </a:r>
           </a:p>
         </p:txBody>
@@ -3741,38 +4384,252 @@
           <a:chExt cx="0" cy="0"/>
         </a:xfrm>
       </p:grpSpPr>
-      <p:sp>
-        <p:nvSpPr>
-          <p:cNvPr id="2" name="Title 1"/>
-          <p:cNvSpPr>
-            <a:spLocks noGrp="1"/>
-          </p:cNvSpPr>
-          <p:nvPr>
-            <p:ph type="title"/>
-          </p:nvPr>
-        </p:nvSpPr>
-        <p:spPr/>
-        <p:txBody>
-          <a:bodyPr/>
-          <a:lstStyle/>
-          <a:p>
-            <a:r>
-              <a:rPr lang="en-GB"/>
-              <a:t>The benefits</a:t>
-            </a:r>
-            <a:endParaRPr lang="en-GB" dirty="0"/>
-          </a:p>
-        </p:txBody>
-      </p:sp>
       <p:pic>
         <p:nvPicPr>
-          <p:cNvPr id="4" name="Content Placeholder 3"/>
+          <p:cNvPr id="6" name="Content Placeholder 3"/>
           <p:cNvPicPr>
-            <a:picLocks noGrp="1" noChangeAspect="1"/>
+            <a:picLocks noChangeAspect="1"/>
           </p:cNvPicPr>
+          <p:nvPr/>
+        </p:nvPicPr>
+        <p:blipFill rotWithShape="1">
+          <a:blip r:embed="rId3" cstate="print">
+            <a:extLst>
+              <a:ext uri="{28A0092B-C50C-407E-A947-70E740481C1C}">
+                <a14:useLocalDpi xmlns:a14="http://schemas.microsoft.com/office/drawing/2010/main" val="0"/>
+              </a:ext>
+            </a:extLst>
+          </a:blip>
+          <a:srcRect l="20687" r="27096" b="-1"/>
+          <a:stretch/>
+        </p:blipFill>
+        <p:spPr>
+          <a:xfrm>
+            <a:off x="20" y="10"/>
+            <a:ext cx="4635571" cy="6857990"/>
+          </a:xfrm>
+          <a:prstGeom prst="rect">
+            <a:avLst/>
+          </a:prstGeom>
+          <a:effectLst/>
+        </p:spPr>
+      </p:pic>
+      <p:cxnSp>
+        <p:nvCxnSpPr>
+          <p:cNvPr id="11" name="Straight Connector 10"/>
+          <p:cNvCxnSpPr>
+            <a:cxnSpLocks noGrp="1" noRot="1" noChangeAspect="1" noMove="1" noResize="1" noEditPoints="1" noAdjustHandles="1" noChangeArrowheads="1" noChangeShapeType="1"/>
+          </p:cNvCxnSpPr>
+          <p:nvPr>
+            <p:extLst>
+              <p:ext uri="{386F3935-93C4-4BCD-93E2-E3B085C9AB24}">
+                <p16:designElem xmlns:p16="http://schemas.microsoft.com/office/powerpoint/2015/main" val="1"/>
+              </p:ext>
+            </p:extLst>
+          </p:nvPr>
+        </p:nvCxnSpPr>
+        <p:spPr>
+          <a:xfrm>
+            <a:off x="5080934" y="2115117"/>
+            <a:ext cx="6309360" cy="0"/>
+          </a:xfrm>
+          <a:prstGeom prst="line">
+            <a:avLst/>
+          </a:prstGeom>
+          <a:ln>
+            <a:solidFill>
+              <a:srgbClr val="416049"/>
+            </a:solidFill>
+          </a:ln>
+        </p:spPr>
+        <p:style>
+          <a:lnRef idx="1">
+            <a:schemeClr val="accent1"/>
+          </a:lnRef>
+          <a:fillRef idx="0">
+            <a:schemeClr val="accent1"/>
+          </a:fillRef>
+          <a:effectRef idx="0">
+            <a:schemeClr val="accent1"/>
+          </a:effectRef>
+          <a:fontRef idx="minor">
+            <a:schemeClr val="tx1"/>
+          </a:fontRef>
+        </p:style>
+      </p:cxnSp>
+      <p:sp>
+        <p:nvSpPr>
+          <p:cNvPr id="2" name="Title 1"/>
+          <p:cNvSpPr>
+            <a:spLocks noGrp="1"/>
+          </p:cNvSpPr>
+          <p:nvPr>
+            <p:ph type="title"/>
+          </p:nvPr>
+        </p:nvSpPr>
+        <p:spPr>
+          <a:xfrm>
+            <a:off x="4965430" y="629268"/>
+            <a:ext cx="6586491" cy="1286160"/>
+          </a:xfrm>
+        </p:spPr>
+        <p:txBody>
+          <a:bodyPr anchor="b">
+            <a:normAutofit/>
+          </a:bodyPr>
+          <a:lstStyle/>
+          <a:p>
+            <a:r>
+              <a:rPr lang="en-US" dirty="0"/>
+              <a:t>Why build the platform?</a:t>
+            </a:r>
+          </a:p>
+        </p:txBody>
+      </p:sp>
+      <p:sp>
+        <p:nvSpPr>
+          <p:cNvPr id="5" name="Content Placeholder 4"/>
+          <p:cNvSpPr>
+            <a:spLocks noGrp="1"/>
+          </p:cNvSpPr>
           <p:nvPr>
             <p:ph idx="1"/>
           </p:nvPr>
+        </p:nvSpPr>
+        <p:spPr>
+          <a:xfrm>
+            <a:off x="4965431" y="2438400"/>
+            <a:ext cx="6586489" cy="3785419"/>
+          </a:xfrm>
+        </p:spPr>
+        <p:txBody>
+          <a:bodyPr>
+            <a:normAutofit/>
+          </a:bodyPr>
+          <a:lstStyle/>
+          <a:p>
+            <a:r>
+              <a:rPr lang="en-US" sz="2000" dirty="0"/>
+              <a:t>The benefits of </a:t>
+            </a:r>
+            <a:r>
+              <a:rPr lang="en-GB" sz="2000" dirty="0"/>
+              <a:t>virtualised</a:t>
+            </a:r>
+            <a:r>
+              <a:rPr lang="en-US" sz="2000" dirty="0"/>
+              <a:t> hardware</a:t>
+            </a:r>
+          </a:p>
+          <a:p>
+            <a:r>
+              <a:rPr lang="en-US" sz="2000" dirty="0"/>
+              <a:t>Easy server migrations</a:t>
+            </a:r>
+          </a:p>
+          <a:p>
+            <a:r>
+              <a:rPr lang="en-US" sz="2000" dirty="0"/>
+              <a:t>Avoids software issues caused by incompatible hardware</a:t>
+            </a:r>
+          </a:p>
+          <a:p>
+            <a:r>
+              <a:rPr lang="en-US" sz="2000" dirty="0"/>
+              <a:t>Popularity of Cloud</a:t>
+            </a:r>
+          </a:p>
+          <a:p>
+            <a:r>
+              <a:rPr lang="en-US" sz="2000" dirty="0"/>
+              <a:t>More time to develop your ideas</a:t>
+            </a:r>
+          </a:p>
+          <a:p>
+            <a:r>
+              <a:rPr lang="en-US" sz="2000" dirty="0"/>
+              <a:t>Huge corporate demand</a:t>
+            </a:r>
+            <a:br>
+              <a:rPr lang="en-US" sz="2000" dirty="0"/>
+            </a:br>
+            <a:r>
+              <a:rPr lang="en-US" sz="2000" dirty="0"/>
+              <a:t> (Amazon AWS brings </a:t>
+            </a:r>
+            <a:r>
+              <a:rPr lang="en-US" sz="2000" b="1" dirty="0"/>
+              <a:t>$10 billion </a:t>
+            </a:r>
+            <a:r>
+              <a:rPr lang="en-US" sz="2000"/>
+              <a:t>per year)</a:t>
+            </a:r>
+          </a:p>
+          <a:p>
+            <a:endParaRPr lang="en-US" sz="2000" dirty="0"/>
+          </a:p>
+        </p:txBody>
+      </p:sp>
+    </p:spTree>
+    <p:extLst>
+      <p:ext uri="{BB962C8B-B14F-4D97-AF65-F5344CB8AC3E}">
+        <p14:creationId xmlns:p14="http://schemas.microsoft.com/office/powerpoint/2010/main" val="1283883684"/>
+      </p:ext>
+    </p:extLst>
+  </p:cSld>
+  <p:clrMapOvr>
+    <a:masterClrMapping/>
+  </p:clrMapOvr>
+</p:sld>
+</file>
+
+<file path=ppt/slides/slide5.xml><?xml version="1.0" encoding="utf-8"?>
+<p:sld xmlns:a="http://schemas.openxmlformats.org/drawingml/2006/main" xmlns:r="http://schemas.openxmlformats.org/officeDocument/2006/relationships" xmlns:p="http://schemas.openxmlformats.org/presentationml/2006/main">
+  <p:cSld>
+    <p:spTree>
+      <p:nvGrpSpPr>
+        <p:cNvPr id="1" name=""/>
+        <p:cNvGrpSpPr/>
+        <p:nvPr/>
+      </p:nvGrpSpPr>
+      <p:grpSpPr>
+        <a:xfrm>
+          <a:off x="0" y="0"/>
+          <a:ext cx="0" cy="0"/>
+          <a:chOff x="0" y="0"/>
+          <a:chExt cx="0" cy="0"/>
+        </a:xfrm>
+      </p:grpSpPr>
+      <p:sp>
+        <p:nvSpPr>
+          <p:cNvPr id="2" name="Title 1"/>
+          <p:cNvSpPr>
+            <a:spLocks noGrp="1"/>
+          </p:cNvSpPr>
+          <p:nvPr>
+            <p:ph type="title"/>
+          </p:nvPr>
+        </p:nvSpPr>
+        <p:spPr/>
+        <p:txBody>
+          <a:bodyPr/>
+          <a:lstStyle/>
+          <a:p>
+            <a:r>
+              <a:rPr lang="en-US" dirty="0"/>
+              <a:t>Existing solutions</a:t>
+            </a:r>
+          </a:p>
+        </p:txBody>
+      </p:sp>
+      <p:pic>
+        <p:nvPicPr>
+          <p:cNvPr id="1026" name="Picture 2" descr="Image result for amazon aws"/>
+          <p:cNvPicPr>
+            <a:picLocks noChangeAspect="1" noChangeArrowheads="1"/>
+          </p:cNvPicPr>
+          <p:nvPr/>
         </p:nvPicPr>
         <p:blipFill>
           <a:blip r:embed="rId2" cstate="print">
@@ -3782,21 +4639,558 @@
               </a:ext>
             </a:extLst>
           </a:blip>
+          <a:srcRect/>
           <a:stretch>
             <a:fillRect/>
           </a:stretch>
         </p:blipFill>
-        <p:spPr>
-          <a:xfrm>
-            <a:off x="838200" y="1690688"/>
-            <a:ext cx="5629526" cy="4351338"/>
-          </a:xfrm>
+        <p:spPr bwMode="auto">
+          <a:xfrm>
+            <a:off x="1708150" y="3456079"/>
+            <a:ext cx="2701925" cy="1015488"/>
+          </a:xfrm>
+          <a:prstGeom prst="rect">
+            <a:avLst/>
+          </a:prstGeom>
+          <a:noFill/>
+          <a:extLst>
+            <a:ext uri="{909E8E84-426E-40DD-AFC4-6F175D3DCCD1}">
+              <a14:hiddenFill xmlns:a14="http://schemas.microsoft.com/office/drawing/2010/main">
+                <a:solidFill>
+                  <a:srgbClr val="FFFFFF"/>
+                </a:solidFill>
+              </a14:hiddenFill>
+            </a:ext>
+          </a:extLst>
+        </p:spPr>
+      </p:pic>
+      <p:pic>
+        <p:nvPicPr>
+          <p:cNvPr id="1028" name="Picture 4" descr="Image result for heroku"/>
+          <p:cNvPicPr>
+            <a:picLocks noChangeAspect="1" noChangeArrowheads="1"/>
+          </p:cNvPicPr>
+          <p:nvPr/>
+        </p:nvPicPr>
+        <p:blipFill>
+          <a:blip r:embed="rId3" cstate="print">
+            <a:extLst>
+              <a:ext uri="{28A0092B-C50C-407E-A947-70E740481C1C}">
+                <a14:useLocalDpi xmlns:a14="http://schemas.microsoft.com/office/drawing/2010/main" val="0"/>
+              </a:ext>
+            </a:extLst>
+          </a:blip>
+          <a:srcRect/>
+          <a:stretch>
+            <a:fillRect/>
+          </a:stretch>
+        </p:blipFill>
+        <p:spPr bwMode="auto">
+          <a:xfrm>
+            <a:off x="1510391" y="1918609"/>
+            <a:ext cx="3454400" cy="1457274"/>
+          </a:xfrm>
+          <a:prstGeom prst="rect">
+            <a:avLst/>
+          </a:prstGeom>
+          <a:noFill/>
+          <a:extLst>
+            <a:ext uri="{909E8E84-426E-40DD-AFC4-6F175D3DCCD1}">
+              <a14:hiddenFill xmlns:a14="http://schemas.microsoft.com/office/drawing/2010/main">
+                <a:solidFill>
+                  <a:srgbClr val="FFFFFF"/>
+                </a:solidFill>
+              </a14:hiddenFill>
+            </a:ext>
+          </a:extLst>
+        </p:spPr>
+      </p:pic>
+      <p:pic>
+        <p:nvPicPr>
+          <p:cNvPr id="1030" name="Picture 6" descr="Image result for digitalocean"/>
+          <p:cNvPicPr>
+            <a:picLocks noChangeAspect="1" noChangeArrowheads="1"/>
+          </p:cNvPicPr>
+          <p:nvPr/>
+        </p:nvPicPr>
+        <p:blipFill>
+          <a:blip r:embed="rId4" cstate="print">
+            <a:extLst>
+              <a:ext uri="{28A0092B-C50C-407E-A947-70E740481C1C}">
+                <a14:useLocalDpi xmlns:a14="http://schemas.microsoft.com/office/drawing/2010/main" val="0"/>
+              </a:ext>
+            </a:extLst>
+          </a:blip>
+          <a:srcRect/>
+          <a:stretch>
+            <a:fillRect/>
+          </a:stretch>
+        </p:blipFill>
+        <p:spPr bwMode="auto">
+          <a:xfrm>
+            <a:off x="6394450" y="3675190"/>
+            <a:ext cx="4112692" cy="650619"/>
+          </a:xfrm>
+          <a:prstGeom prst="rect">
+            <a:avLst/>
+          </a:prstGeom>
+          <a:noFill/>
+          <a:extLst>
+            <a:ext uri="{909E8E84-426E-40DD-AFC4-6F175D3DCCD1}">
+              <a14:hiddenFill xmlns:a14="http://schemas.microsoft.com/office/drawing/2010/main">
+                <a:solidFill>
+                  <a:srgbClr val="FFFFFF"/>
+                </a:solidFill>
+              </a14:hiddenFill>
+            </a:ext>
+          </a:extLst>
+        </p:spPr>
+      </p:pic>
+      <p:pic>
+        <p:nvPicPr>
+          <p:cNvPr id="1032" name="Picture 8" descr="Image result for vultr"/>
+          <p:cNvPicPr>
+            <a:picLocks noChangeAspect="1" noChangeArrowheads="1"/>
+          </p:cNvPicPr>
+          <p:nvPr/>
+        </p:nvPicPr>
+        <p:blipFill>
+          <a:blip r:embed="rId5">
+            <a:extLst>
+              <a:ext uri="{28A0092B-C50C-407E-A947-70E740481C1C}">
+                <a14:useLocalDpi xmlns:a14="http://schemas.microsoft.com/office/drawing/2010/main" val="0"/>
+              </a:ext>
+            </a:extLst>
+          </a:blip>
+          <a:srcRect/>
+          <a:stretch>
+            <a:fillRect/>
+          </a:stretch>
+        </p:blipFill>
+        <p:spPr bwMode="auto">
+          <a:xfrm>
+            <a:off x="1631950" y="4878606"/>
+            <a:ext cx="3211283" cy="1123949"/>
+          </a:xfrm>
+          <a:prstGeom prst="rect">
+            <a:avLst/>
+          </a:prstGeom>
+          <a:noFill/>
+          <a:extLst>
+            <a:ext uri="{909E8E84-426E-40DD-AFC4-6F175D3DCCD1}">
+              <a14:hiddenFill xmlns:a14="http://schemas.microsoft.com/office/drawing/2010/main">
+                <a:solidFill>
+                  <a:srgbClr val="FFFFFF"/>
+                </a:solidFill>
+              </a14:hiddenFill>
+            </a:ext>
+          </a:extLst>
+        </p:spPr>
+      </p:pic>
+      <p:pic>
+        <p:nvPicPr>
+          <p:cNvPr id="1034" name="Picture 10" descr="Image result for azure"/>
+          <p:cNvPicPr>
+            <a:picLocks noChangeAspect="1" noChangeArrowheads="1"/>
+          </p:cNvPicPr>
+          <p:nvPr/>
+        </p:nvPicPr>
+        <p:blipFill>
+          <a:blip r:embed="rId6">
+            <a:extLst>
+              <a:ext uri="{28A0092B-C50C-407E-A947-70E740481C1C}">
+                <a14:useLocalDpi xmlns:a14="http://schemas.microsoft.com/office/drawing/2010/main" val="0"/>
+              </a:ext>
+            </a:extLst>
+          </a:blip>
+          <a:srcRect/>
+          <a:stretch>
+            <a:fillRect/>
+          </a:stretch>
+        </p:blipFill>
+        <p:spPr bwMode="auto">
+          <a:xfrm>
+            <a:off x="6934200" y="4189623"/>
+            <a:ext cx="3572942" cy="2679707"/>
+          </a:xfrm>
+          <a:prstGeom prst="rect">
+            <a:avLst/>
+          </a:prstGeom>
+          <a:noFill/>
+          <a:extLst>
+            <a:ext uri="{909E8E84-426E-40DD-AFC4-6F175D3DCCD1}">
+              <a14:hiddenFill xmlns:a14="http://schemas.microsoft.com/office/drawing/2010/main">
+                <a:solidFill>
+                  <a:srgbClr val="FFFFFF"/>
+                </a:solidFill>
+              </a14:hiddenFill>
+            </a:ext>
+          </a:extLst>
+        </p:spPr>
+      </p:pic>
+      <p:pic>
+        <p:nvPicPr>
+          <p:cNvPr id="1036" name="Picture 12" descr="Image result for openshift"/>
+          <p:cNvPicPr>
+            <a:picLocks noChangeAspect="1" noChangeArrowheads="1"/>
+          </p:cNvPicPr>
+          <p:nvPr/>
+        </p:nvPicPr>
+        <p:blipFill>
+          <a:blip r:embed="rId7" cstate="print">
+            <a:extLst>
+              <a:ext uri="{28A0092B-C50C-407E-A947-70E740481C1C}">
+                <a14:useLocalDpi xmlns:a14="http://schemas.microsoft.com/office/drawing/2010/main" val="0"/>
+              </a:ext>
+            </a:extLst>
+          </a:blip>
+          <a:srcRect/>
+          <a:stretch>
+            <a:fillRect/>
+          </a:stretch>
+        </p:blipFill>
+        <p:spPr bwMode="auto">
+          <a:xfrm>
+            <a:off x="7863421" y="1838413"/>
+            <a:ext cx="1513901" cy="1617666"/>
+          </a:xfrm>
+          <a:prstGeom prst="rect">
+            <a:avLst/>
+          </a:prstGeom>
+          <a:noFill/>
+          <a:extLst>
+            <a:ext uri="{909E8E84-426E-40DD-AFC4-6F175D3DCCD1}">
+              <a14:hiddenFill xmlns:a14="http://schemas.microsoft.com/office/drawing/2010/main">
+                <a:solidFill>
+                  <a:srgbClr val="FFFFFF"/>
+                </a:solidFill>
+              </a14:hiddenFill>
+            </a:ext>
+          </a:extLst>
         </p:spPr>
       </p:pic>
     </p:spTree>
     <p:extLst>
       <p:ext uri="{BB962C8B-B14F-4D97-AF65-F5344CB8AC3E}">
-        <p14:creationId xmlns:p14="http://schemas.microsoft.com/office/powerpoint/2010/main" val="2630644079"/>
+        <p14:creationId xmlns:p14="http://schemas.microsoft.com/office/powerpoint/2010/main" val="223051545"/>
+      </p:ext>
+    </p:extLst>
+  </p:cSld>
+  <p:clrMapOvr>
+    <a:masterClrMapping/>
+  </p:clrMapOvr>
+</p:sld>
+</file>
+
+<file path=ppt/slides/slide6.xml><?xml version="1.0" encoding="utf-8"?>
+<p:sld xmlns:a="http://schemas.openxmlformats.org/drawingml/2006/main" xmlns:r="http://schemas.openxmlformats.org/officeDocument/2006/relationships" xmlns:p="http://schemas.openxmlformats.org/presentationml/2006/main">
+  <p:cSld>
+    <p:spTree>
+      <p:nvGrpSpPr>
+        <p:cNvPr id="1" name=""/>
+        <p:cNvGrpSpPr/>
+        <p:nvPr/>
+      </p:nvGrpSpPr>
+      <p:grpSpPr>
+        <a:xfrm>
+          <a:off x="0" y="0"/>
+          <a:ext cx="0" cy="0"/>
+          <a:chOff x="0" y="0"/>
+          <a:chExt cx="0" cy="0"/>
+        </a:xfrm>
+      </p:grpSpPr>
+      <p:sp>
+        <p:nvSpPr>
+          <p:cNvPr id="2" name="Title 1"/>
+          <p:cNvSpPr>
+            <a:spLocks noGrp="1"/>
+          </p:cNvSpPr>
+          <p:nvPr>
+            <p:ph type="title"/>
+          </p:nvPr>
+        </p:nvSpPr>
+        <p:spPr/>
+        <p:txBody>
+          <a:bodyPr/>
+          <a:lstStyle/>
+          <a:p>
+            <a:r>
+              <a:rPr lang="en-US"/>
+              <a:t>How to build the platform ?</a:t>
+            </a:r>
+            <a:endParaRPr lang="en-US" dirty="0"/>
+          </a:p>
+        </p:txBody>
+      </p:sp>
+      <p:sp>
+        <p:nvSpPr>
+          <p:cNvPr id="3" name="Content Placeholder 2"/>
+          <p:cNvSpPr>
+            <a:spLocks noGrp="1"/>
+          </p:cNvSpPr>
+          <p:nvPr>
+            <p:ph idx="1"/>
+          </p:nvPr>
+        </p:nvSpPr>
+        <p:spPr/>
+        <p:txBody>
+          <a:bodyPr/>
+          <a:lstStyle/>
+          <a:p>
+            <a:r>
+              <a:rPr lang="en-US" dirty="0"/>
+              <a:t>A headless </a:t>
+            </a:r>
+            <a:r>
+              <a:rPr lang="en-US" dirty="0" err="1"/>
+              <a:t>Debian</a:t>
+            </a:r>
+            <a:r>
+              <a:rPr lang="en-US" dirty="0"/>
+              <a:t> </a:t>
+            </a:r>
+            <a:r>
+              <a:rPr lang="en-US" dirty="0" err="1"/>
+              <a:t>linux</a:t>
+            </a:r>
+            <a:r>
+              <a:rPr lang="en-US" dirty="0"/>
+              <a:t> machine running </a:t>
+            </a:r>
+            <a:r>
+              <a:rPr lang="en-US" dirty="0" err="1"/>
+              <a:t>virtualbox</a:t>
+            </a:r>
+            <a:r>
+              <a:rPr lang="en-US" dirty="0"/>
+              <a:t> server</a:t>
+            </a:r>
+          </a:p>
+          <a:p>
+            <a:r>
+              <a:rPr lang="en-US" dirty="0"/>
+              <a:t>Linux shell scripts talk to </a:t>
+            </a:r>
+            <a:r>
+              <a:rPr lang="en-US" dirty="0" err="1"/>
+              <a:t>virtualbox</a:t>
+            </a:r>
+            <a:r>
+              <a:rPr lang="en-US" dirty="0"/>
+              <a:t> via it’s API</a:t>
+            </a:r>
+          </a:p>
+          <a:p>
+            <a:pPr lvl="1"/>
+            <a:r>
+              <a:rPr lang="en-US" dirty="0"/>
+              <a:t>Create machines</a:t>
+            </a:r>
+          </a:p>
+          <a:p>
+            <a:pPr lvl="1"/>
+            <a:r>
+              <a:rPr lang="en-US" dirty="0"/>
+              <a:t>Configure machines</a:t>
+            </a:r>
+          </a:p>
+          <a:p>
+            <a:pPr lvl="1"/>
+            <a:r>
+              <a:rPr lang="en-US" dirty="0"/>
+              <a:t>Destroy machines</a:t>
+            </a:r>
+          </a:p>
+          <a:p>
+            <a:pPr lvl="1"/>
+            <a:r>
+              <a:rPr lang="en-US" dirty="0"/>
+              <a:t> define firewall rules</a:t>
+            </a:r>
+          </a:p>
+          <a:p>
+            <a:pPr lvl="1"/>
+            <a:r>
+              <a:rPr lang="en-US" dirty="0"/>
+              <a:t>Install and update software</a:t>
+            </a:r>
+          </a:p>
+          <a:p>
+            <a:pPr lvl="1"/>
+            <a:r>
+              <a:rPr lang="en-US" dirty="0"/>
+              <a:t>Manage login credentials</a:t>
+            </a:r>
+          </a:p>
+          <a:p>
+            <a:r>
+              <a:rPr lang="en-US" dirty="0"/>
+              <a:t>Web management interface that abstracts away the shell script functionality to the user</a:t>
+            </a:r>
+          </a:p>
+        </p:txBody>
+      </p:sp>
+    </p:spTree>
+    <p:extLst>
+      <p:ext uri="{BB962C8B-B14F-4D97-AF65-F5344CB8AC3E}">
+        <p14:creationId xmlns:p14="http://schemas.microsoft.com/office/powerpoint/2010/main" val="971528839"/>
+      </p:ext>
+    </p:extLst>
+  </p:cSld>
+  <p:clrMapOvr>
+    <a:masterClrMapping/>
+  </p:clrMapOvr>
+</p:sld>
+</file>
+
+<file path=ppt/slides/slide7.xml><?xml version="1.0" encoding="utf-8"?>
+<p:sld xmlns:a="http://schemas.openxmlformats.org/drawingml/2006/main" xmlns:r="http://schemas.openxmlformats.org/officeDocument/2006/relationships" xmlns:p="http://schemas.openxmlformats.org/presentationml/2006/main">
+  <p:cSld>
+    <p:spTree>
+      <p:nvGrpSpPr>
+        <p:cNvPr id="1" name=""/>
+        <p:cNvGrpSpPr/>
+        <p:nvPr/>
+      </p:nvGrpSpPr>
+      <p:grpSpPr>
+        <a:xfrm>
+          <a:off x="0" y="0"/>
+          <a:ext cx="0" cy="0"/>
+          <a:chOff x="0" y="0"/>
+          <a:chExt cx="0" cy="0"/>
+        </a:xfrm>
+      </p:grpSpPr>
+      <p:sp>
+        <p:nvSpPr>
+          <p:cNvPr id="2" name="Title 1"/>
+          <p:cNvSpPr>
+            <a:spLocks noGrp="1"/>
+          </p:cNvSpPr>
+          <p:nvPr>
+            <p:ph type="title"/>
+          </p:nvPr>
+        </p:nvSpPr>
+        <p:spPr/>
+        <p:txBody>
+          <a:bodyPr/>
+          <a:lstStyle/>
+          <a:p>
+            <a:r>
+              <a:rPr lang="en-US"/>
+              <a:t>Project Planning</a:t>
+            </a:r>
+          </a:p>
+        </p:txBody>
+      </p:sp>
+      <p:sp>
+        <p:nvSpPr>
+          <p:cNvPr id="7" name="Content Placeholder 6"/>
+          <p:cNvSpPr>
+            <a:spLocks noGrp="1"/>
+          </p:cNvSpPr>
+          <p:nvPr>
+            <p:ph idx="1"/>
+          </p:nvPr>
+        </p:nvSpPr>
+        <p:spPr/>
+        <p:txBody>
+          <a:bodyPr/>
+          <a:lstStyle/>
+          <a:p>
+            <a:endParaRPr lang="en-US"/>
+          </a:p>
+        </p:txBody>
+      </p:sp>
+    </p:spTree>
+    <p:extLst>
+      <p:ext uri="{BB962C8B-B14F-4D97-AF65-F5344CB8AC3E}">
+        <p14:creationId xmlns:p14="http://schemas.microsoft.com/office/powerpoint/2010/main" val="466595232"/>
+      </p:ext>
+    </p:extLst>
+  </p:cSld>
+  <p:clrMapOvr>
+    <a:masterClrMapping/>
+  </p:clrMapOvr>
+</p:sld>
+</file>
+
+<file path=ppt/slides/slide8.xml><?xml version="1.0" encoding="utf-8"?>
+<p:sld xmlns:a="http://schemas.openxmlformats.org/drawingml/2006/main" xmlns:r="http://schemas.openxmlformats.org/officeDocument/2006/relationships" xmlns:p="http://schemas.openxmlformats.org/presentationml/2006/main">
+  <p:cSld>
+    <p:spTree>
+      <p:nvGrpSpPr>
+        <p:cNvPr id="1" name=""/>
+        <p:cNvGrpSpPr/>
+        <p:nvPr/>
+      </p:nvGrpSpPr>
+      <p:grpSpPr>
+        <a:xfrm>
+          <a:off x="0" y="0"/>
+          <a:ext cx="0" cy="0"/>
+          <a:chOff x="0" y="0"/>
+          <a:chExt cx="0" cy="0"/>
+        </a:xfrm>
+      </p:grpSpPr>
+      <p:pic>
+        <p:nvPicPr>
+          <p:cNvPr id="6" name="Content Placeholder 3"/>
+          <p:cNvPicPr>
+            <a:picLocks noChangeAspect="1"/>
+          </p:cNvPicPr>
+          <p:nvPr/>
+        </p:nvPicPr>
+        <p:blipFill rotWithShape="1">
+          <a:blip r:embed="rId2"/>
+          <a:srcRect t="272" r="19192" b="8819"/>
+          <a:stretch/>
+        </p:blipFill>
+        <p:spPr>
+          <a:xfrm>
+            <a:off x="20" y="10"/>
+            <a:ext cx="12191980" cy="6857990"/>
+          </a:xfrm>
+          <a:prstGeom prst="rect">
+            <a:avLst/>
+          </a:prstGeom>
+        </p:spPr>
+      </p:pic>
+      <p:sp>
+        <p:nvSpPr>
+          <p:cNvPr id="2" name="Title 1"/>
+          <p:cNvSpPr>
+            <a:spLocks noGrp="1"/>
+          </p:cNvSpPr>
+          <p:nvPr>
+            <p:ph type="title"/>
+          </p:nvPr>
+        </p:nvSpPr>
+        <p:spPr>
+          <a:xfrm>
+            <a:off x="1299673" y="578770"/>
+            <a:ext cx="10515600" cy="1325563"/>
+          </a:xfrm>
+        </p:spPr>
+        <p:txBody>
+          <a:bodyPr>
+            <a:normAutofit/>
+          </a:bodyPr>
+          <a:lstStyle/>
+          <a:p>
+            <a:r>
+              <a:rPr lang="en-US" sz="4000" dirty="0">
+                <a:solidFill>
+                  <a:schemeClr val="bg1"/>
+                </a:solidFill>
+              </a:rPr>
+              <a:t>Questions ?</a:t>
+            </a:r>
+          </a:p>
+        </p:txBody>
+      </p:sp>
+    </p:spTree>
+    <p:extLst>
+      <p:ext uri="{BB962C8B-B14F-4D97-AF65-F5344CB8AC3E}">
+        <p14:creationId xmlns:p14="http://schemas.microsoft.com/office/powerpoint/2010/main" val="1910985785"/>
       </p:ext>
     </p:extLst>
   </p:cSld>
@@ -4065,4 +5459,299 @@
     </a:ext>
   </a:extLst>
 </a:theme>
+</file>
+
+<file path=ppt/theme/theme2.xml><?xml version="1.0" encoding="utf-8"?>
+<a:theme xmlns:a="http://schemas.openxmlformats.org/drawingml/2006/main" name="Office Theme">
+  <a:themeElements>
+    <a:clrScheme name="Office">
+      <a:dk1>
+        <a:sysClr val="windowText" lastClr="000000"/>
+      </a:dk1>
+      <a:lt1>
+        <a:sysClr val="window" lastClr="FFFFFF"/>
+      </a:lt1>
+      <a:dk2>
+        <a:srgbClr val="44546A"/>
+      </a:dk2>
+      <a:lt2>
+        <a:srgbClr val="E7E6E6"/>
+      </a:lt2>
+      <a:accent1>
+        <a:srgbClr val="5B9BD5"/>
+      </a:accent1>
+      <a:accent2>
+        <a:srgbClr val="ED7D31"/>
+      </a:accent2>
+      <a:accent3>
+        <a:srgbClr val="A5A5A5"/>
+      </a:accent3>
+      <a:accent4>
+        <a:srgbClr val="FFC000"/>
+      </a:accent4>
+      <a:accent5>
+        <a:srgbClr val="4472C4"/>
+      </a:accent5>
+      <a:accent6>
+        <a:srgbClr val="70AD47"/>
+      </a:accent6>
+      <a:hlink>
+        <a:srgbClr val="0563C1"/>
+      </a:hlink>
+      <a:folHlink>
+        <a:srgbClr val="954F72"/>
+      </a:folHlink>
+    </a:clrScheme>
+    <a:fontScheme name="Office">
+      <a:majorFont>
+        <a:latin typeface="Calibri Light" panose="020F0302020204030204"/>
+        <a:ea typeface=""/>
+        <a:cs typeface=""/>
+        <a:font script="Jpan" typeface="游ゴシック Light"/>
+        <a:font script="Hang" typeface="맑은 고딕"/>
+        <a:font script="Hans" typeface="等线 Light"/>
+        <a:font script="Hant" typeface="新細明體"/>
+        <a:font script="Arab" typeface="Times New Roman"/>
+        <a:font script="Hebr" typeface="Times New Roman"/>
+        <a:font script="Thai" typeface="Angsana New"/>
+        <a:font script="Ethi" typeface="Nyala"/>
+        <a:font script="Beng" typeface="Vrinda"/>
+        <a:font script="Gujr" typeface="Shruti"/>
+        <a:font script="Khmr" typeface="MoolBoran"/>
+        <a:font script="Knda" typeface="Tunga"/>
+        <a:font script="Guru" typeface="Raavi"/>
+        <a:font script="Cans" typeface="Euphemia"/>
+        <a:font script="Cher" typeface="Plantagenet Cherokee"/>
+        <a:font script="Yiii" typeface="Microsoft Yi Baiti"/>
+        <a:font script="Tibt" typeface="Microsoft Himalaya"/>
+        <a:font script="Thaa" typeface="MV Boli"/>
+        <a:font script="Deva" typeface="Mangal"/>
+        <a:font script="Telu" typeface="Gautami"/>
+        <a:font script="Taml" typeface="Latha"/>
+        <a:font script="Syrc" typeface="Estrangelo Edessa"/>
+        <a:font script="Orya" typeface="Kalinga"/>
+        <a:font script="Mlym" typeface="Kartika"/>
+        <a:font script="Laoo" typeface="DokChampa"/>
+        <a:font script="Sinh" typeface="Iskoola Pota"/>
+        <a:font script="Mong" typeface="Mongolian Baiti"/>
+        <a:font script="Viet" typeface="Times New Roman"/>
+        <a:font script="Uigh" typeface="Microsoft Uighur"/>
+        <a:font script="Geor" typeface="Sylfaen"/>
+        <a:font script="Armn" typeface="Arial"/>
+        <a:font script="Bugi" typeface="Leelawadee UI"/>
+        <a:font script="Bopo" typeface="Microsoft JhengHei"/>
+        <a:font script="Java" typeface="Javanese Text"/>
+        <a:font script="Lisu" typeface="Segoe UI"/>
+        <a:font script="Mymr" typeface="Myanmar Text"/>
+        <a:font script="Nkoo" typeface="Ebrima"/>
+        <a:font script="Olck" typeface="Nirmala UI"/>
+        <a:font script="Osma" typeface="Ebrima"/>
+        <a:font script="Phag" typeface="Phagspa"/>
+        <a:font script="Syrn" typeface="Estrangelo Edessa"/>
+        <a:font script="Syrj" typeface="Estrangelo Edessa"/>
+        <a:font script="Syre" typeface="Estrangelo Edessa"/>
+        <a:font script="Sora" typeface="Nirmala UI"/>
+        <a:font script="Tale" typeface="Microsoft Tai Le"/>
+        <a:font script="Talu" typeface="Microsoft New Tai Lue"/>
+        <a:font script="Tfng" typeface="Ebrima"/>
+      </a:majorFont>
+      <a:minorFont>
+        <a:latin typeface="Calibri" panose="020F0502020204030204"/>
+        <a:ea typeface=""/>
+        <a:cs typeface=""/>
+        <a:font script="Jpan" typeface="游ゴシック"/>
+        <a:font script="Hang" typeface="맑은 고딕"/>
+        <a:font script="Hans" typeface="等线"/>
+        <a:font script="Hant" typeface="新細明體"/>
+        <a:font script="Arab" typeface="Arial"/>
+        <a:font script="Hebr" typeface="Arial"/>
+        <a:font script="Thai" typeface="Cordia New"/>
+        <a:font script="Ethi" typeface="Nyala"/>
+        <a:font script="Beng" typeface="Vrinda"/>
+        <a:font script="Gujr" typeface="Shruti"/>
+        <a:font script="Khmr" typeface="DaunPenh"/>
+        <a:font script="Knda" typeface="Tunga"/>
+        <a:font script="Guru" typeface="Raavi"/>
+        <a:font script="Cans" typeface="Euphemia"/>
+        <a:font script="Cher" typeface="Plantagenet Cherokee"/>
+        <a:font script="Yiii" typeface="Microsoft Yi Baiti"/>
+        <a:font script="Tibt" typeface="Microsoft Himalaya"/>
+        <a:font script="Thaa" typeface="MV Boli"/>
+        <a:font script="Deva" typeface="Mangal"/>
+        <a:font script="Telu" typeface="Gautami"/>
+        <a:font script="Taml" typeface="Latha"/>
+        <a:font script="Syrc" typeface="Estrangelo Edessa"/>
+        <a:font script="Orya" typeface="Kalinga"/>
+        <a:font script="Mlym" typeface="Kartika"/>
+        <a:font script="Laoo" typeface="DokChampa"/>
+        <a:font script="Sinh" typeface="Iskoola Pota"/>
+        <a:font script="Mong" typeface="Mongolian Baiti"/>
+        <a:font script="Viet" typeface="Arial"/>
+        <a:font script="Uigh" typeface="Microsoft Uighur"/>
+        <a:font script="Geor" typeface="Sylfaen"/>
+        <a:font script="Armn" typeface="Arial"/>
+        <a:font script="Bugi" typeface="Leelawadee UI"/>
+        <a:font script="Bopo" typeface="Microsoft JhengHei"/>
+        <a:font script="Java" typeface="Javanese Text"/>
+        <a:font script="Lisu" typeface="Segoe UI"/>
+        <a:font script="Mymr" typeface="Myanmar Text"/>
+        <a:font script="Nkoo" typeface="Ebrima"/>
+        <a:font script="Olck" typeface="Nirmala UI"/>
+        <a:font script="Osma" typeface="Ebrima"/>
+        <a:font script="Phag" typeface="Phagspa"/>
+        <a:font script="Syrn" typeface="Estrangelo Edessa"/>
+        <a:font script="Syrj" typeface="Estrangelo Edessa"/>
+        <a:font script="Syre" typeface="Estrangelo Edessa"/>
+        <a:font script="Sora" typeface="Nirmala UI"/>
+        <a:font script="Tale" typeface="Microsoft Tai Le"/>
+        <a:font script="Talu" typeface="Microsoft New Tai Lue"/>
+        <a:font script="Tfng" typeface="Ebrima"/>
+      </a:minorFont>
+    </a:fontScheme>
+    <a:fmtScheme name="Office">
+      <a:fillStyleLst>
+        <a:solidFill>
+          <a:schemeClr val="phClr"/>
+        </a:solidFill>
+        <a:gradFill rotWithShape="1">
+          <a:gsLst>
+            <a:gs pos="0">
+              <a:schemeClr val="phClr">
+                <a:lumMod val="110000"/>
+                <a:satMod val="105000"/>
+                <a:tint val="67000"/>
+              </a:schemeClr>
+            </a:gs>
+            <a:gs pos="50000">
+              <a:schemeClr val="phClr">
+                <a:lumMod val="105000"/>
+                <a:satMod val="103000"/>
+                <a:tint val="73000"/>
+              </a:schemeClr>
+            </a:gs>
+            <a:gs pos="100000">
+              <a:schemeClr val="phClr">
+                <a:lumMod val="105000"/>
+                <a:satMod val="109000"/>
+                <a:tint val="81000"/>
+              </a:schemeClr>
+            </a:gs>
+          </a:gsLst>
+          <a:lin ang="5400000" scaled="0"/>
+        </a:gradFill>
+        <a:gradFill rotWithShape="1">
+          <a:gsLst>
+            <a:gs pos="0">
+              <a:schemeClr val="phClr">
+                <a:satMod val="103000"/>
+                <a:lumMod val="102000"/>
+                <a:tint val="94000"/>
+              </a:schemeClr>
+            </a:gs>
+            <a:gs pos="50000">
+              <a:schemeClr val="phClr">
+                <a:satMod val="110000"/>
+                <a:lumMod val="100000"/>
+                <a:shade val="100000"/>
+              </a:schemeClr>
+            </a:gs>
+            <a:gs pos="100000">
+              <a:schemeClr val="phClr">
+                <a:lumMod val="99000"/>
+                <a:satMod val="120000"/>
+                <a:shade val="78000"/>
+              </a:schemeClr>
+            </a:gs>
+          </a:gsLst>
+          <a:lin ang="5400000" scaled="0"/>
+        </a:gradFill>
+      </a:fillStyleLst>
+      <a:lnStyleLst>
+        <a:ln w="6350" cap="flat" cmpd="sng" algn="ctr">
+          <a:solidFill>
+            <a:schemeClr val="phClr"/>
+          </a:solidFill>
+          <a:prstDash val="solid"/>
+          <a:miter lim="800000"/>
+        </a:ln>
+        <a:ln w="12700" cap="flat" cmpd="sng" algn="ctr">
+          <a:solidFill>
+            <a:schemeClr val="phClr"/>
+          </a:solidFill>
+          <a:prstDash val="solid"/>
+          <a:miter lim="800000"/>
+        </a:ln>
+        <a:ln w="19050" cap="flat" cmpd="sng" algn="ctr">
+          <a:solidFill>
+            <a:schemeClr val="phClr"/>
+          </a:solidFill>
+          <a:prstDash val="solid"/>
+          <a:miter lim="800000"/>
+        </a:ln>
+      </a:lnStyleLst>
+      <a:effectStyleLst>
+        <a:effectStyle>
+          <a:effectLst/>
+        </a:effectStyle>
+        <a:effectStyle>
+          <a:effectLst/>
+        </a:effectStyle>
+        <a:effectStyle>
+          <a:effectLst>
+            <a:outerShdw blurRad="57150" dist="19050" dir="5400000" algn="ctr" rotWithShape="0">
+              <a:srgbClr val="000000">
+                <a:alpha val="63000"/>
+              </a:srgbClr>
+            </a:outerShdw>
+          </a:effectLst>
+        </a:effectStyle>
+      </a:effectStyleLst>
+      <a:bgFillStyleLst>
+        <a:solidFill>
+          <a:schemeClr val="phClr"/>
+        </a:solidFill>
+        <a:solidFill>
+          <a:schemeClr val="phClr">
+            <a:tint val="95000"/>
+            <a:satMod val="170000"/>
+          </a:schemeClr>
+        </a:solidFill>
+        <a:gradFill rotWithShape="1">
+          <a:gsLst>
+            <a:gs pos="0">
+              <a:schemeClr val="phClr">
+                <a:tint val="93000"/>
+                <a:satMod val="150000"/>
+                <a:shade val="98000"/>
+                <a:lumMod val="102000"/>
+              </a:schemeClr>
+            </a:gs>
+            <a:gs pos="50000">
+              <a:schemeClr val="phClr">
+                <a:tint val="98000"/>
+                <a:satMod val="130000"/>
+                <a:shade val="90000"/>
+                <a:lumMod val="103000"/>
+              </a:schemeClr>
+            </a:gs>
+            <a:gs pos="100000">
+              <a:schemeClr val="phClr">
+                <a:shade val="63000"/>
+                <a:satMod val="120000"/>
+              </a:schemeClr>
+            </a:gs>
+          </a:gsLst>
+          <a:lin ang="5400000" scaled="0"/>
+        </a:gradFill>
+      </a:bgFillStyleLst>
+    </a:fmtScheme>
+  </a:themeElements>
+  <a:objectDefaults/>
+  <a:extraClrSchemeLst/>
+  <a:extLst>
+    <a:ext uri="{05A4C25C-085E-4340-85A3-A5531E510DB2}">
+      <thm15:themeFamily xmlns:thm15="http://schemas.microsoft.com/office/thememl/2012/main" name="Office Theme" id="{62F939B6-93AF-4DB8-9C6B-D6C7DFDC589F}" vid="{4A3C46E8-61CC-4603-A589-7422A47A8E4A}"/>
+    </a:ext>
+  </a:extLst>
+</a:theme>
 </file>